--- a/Lectures/6 - Transformations.pptx
+++ b/Lectures/6 - Transformations.pptx
@@ -5,21 +5,19 @@
     <p:sldMasterId id="2147484095" r:id="rId1"/>
   </p:sldMasterIdLst>
   <p:notesMasterIdLst>
-    <p:notesMasterId r:id="rId11"/>
+    <p:notesMasterId r:id="rId9"/>
   </p:notesMasterIdLst>
   <p:handoutMasterIdLst>
-    <p:handoutMasterId r:id="rId12"/>
+    <p:handoutMasterId r:id="rId10"/>
   </p:handoutMasterIdLst>
   <p:sldIdLst>
     <p:sldId id="256" r:id="rId2"/>
-    <p:sldId id="355" r:id="rId3"/>
-    <p:sldId id="369" r:id="rId4"/>
-    <p:sldId id="370" r:id="rId5"/>
-    <p:sldId id="371" r:id="rId6"/>
-    <p:sldId id="269" r:id="rId7"/>
-    <p:sldId id="372" r:id="rId8"/>
-    <p:sldId id="373" r:id="rId9"/>
-    <p:sldId id="358" r:id="rId10"/>
+    <p:sldId id="371" r:id="rId3"/>
+    <p:sldId id="269" r:id="rId4"/>
+    <p:sldId id="372" r:id="rId5"/>
+    <p:sldId id="373" r:id="rId6"/>
+    <p:sldId id="374" r:id="rId7"/>
+    <p:sldId id="358" r:id="rId8"/>
   </p:sldIdLst>
   <p:sldSz cx="12192000" cy="6858000"/>
   <p:notesSz cx="7315200" cy="9601200"/>
@@ -911,7 +909,7 @@
               <a:pPr>
                 <a:defRPr/>
               </a:pPr>
-              <a:t>9</a:t>
+              <a:t>7</a:t>
             </a:fld>
             <a:endParaRPr lang="en-US"/>
           </a:p>
@@ -5098,10 +5096,11 @@
                 <a:solidFill>
                   <a:srgbClr val="2D3A37"/>
                 </a:solidFill>
+                <a:effectLst/>
                 <a:latin typeface="Adobe Devanagari" panose="02040503050201020203" pitchFamily="18" charset="0"/>
                 <a:cs typeface="Adobe Devanagari" panose="02040503050201020203" pitchFamily="18" charset="0"/>
               </a:rPr>
-              <a:t>Supplement for Lecture 5</a:t>
+              <a:t>Reasons for Data Transformations</a:t>
             </a:r>
             <a:endParaRPr lang="en-US" sz="4800" dirty="0">
               <a:solidFill>
@@ -5125,7 +5124,7 @@
         </p:nvSpPr>
         <p:spPr>
           <a:xfrm>
-            <a:off x="495300" y="1977074"/>
+            <a:off x="495300" y="1974467"/>
             <a:ext cx="11201400" cy="4392692"/>
           </a:xfrm>
           <a:prstGeom prst="roundRect">
@@ -5170,11 +5169,134 @@
                   <a:srgbClr val="660066"/>
                 </a:solidFill>
               </a:rPr>
-              <a:t>Download Zip Folder on Course Website for Supplement</a:t>
-            </a:r>
+              <a:t>Can Be Done on Response </a:t>
+            </a:r>
+            <a:r>
+              <a:rPr lang="en-US" sz="2800" i="1" dirty="0">
+                <a:solidFill>
+                  <a:srgbClr val="660066"/>
+                </a:solidFill>
+              </a:rPr>
+              <a:t>Y </a:t>
+            </a:r>
+            <a:r>
+              <a:rPr lang="en-US" sz="2800" dirty="0">
+                <a:solidFill>
+                  <a:srgbClr val="660066"/>
+                </a:solidFill>
+              </a:rPr>
+              <a:t>or Predictor </a:t>
+            </a:r>
+            <a:r>
+              <a:rPr lang="en-US" sz="2800" i="1" dirty="0">
+                <a:solidFill>
+                  <a:srgbClr val="660066"/>
+                </a:solidFill>
+              </a:rPr>
+              <a:t>X</a:t>
+            </a:r>
+            <a:endParaRPr lang="en-US" sz="2800" dirty="0">
+              <a:solidFill>
+                <a:srgbClr val="660066"/>
+              </a:solidFill>
+            </a:endParaRPr>
+          </a:p>
+          <a:p>
+            <a:pPr lvl="1"/>
+            <a:endParaRPr lang="en-US" sz="2800" dirty="0">
+              <a:solidFill>
+                <a:srgbClr val="660066"/>
+              </a:solidFill>
+            </a:endParaRPr>
           </a:p>
           <a:p>
             <a:pPr marL="457200" indent="-457200">
+              <a:buFont typeface="Arial" panose="020B0604020202020204" pitchFamily="34" charset="0"/>
+              <a:buChar char="•"/>
+            </a:pPr>
+            <a:r>
+              <a:rPr lang="en-US" sz="2800" dirty="0">
+                <a:solidFill>
+                  <a:srgbClr val="660066"/>
+                </a:solidFill>
+              </a:rPr>
+              <a:t>Reasons for Data Transformations</a:t>
+            </a:r>
+          </a:p>
+          <a:p>
+            <a:pPr marL="914400" lvl="1" indent="-457200">
+              <a:buFont typeface="Arial" panose="020B0604020202020204" pitchFamily="34" charset="0"/>
+              <a:buChar char="•"/>
+            </a:pPr>
+            <a:r>
+              <a:rPr lang="en-US" sz="2800" dirty="0">
+                <a:solidFill>
+                  <a:srgbClr val="660066"/>
+                </a:solidFill>
+              </a:rPr>
+              <a:t>Address </a:t>
+            </a:r>
+            <a:r>
+              <a:rPr lang="en-US" sz="2800" b="1" dirty="0">
+                <a:solidFill>
+                  <a:srgbClr val="660066"/>
+                </a:solidFill>
+              </a:rPr>
+              <a:t>Non-Linear</a:t>
+            </a:r>
+            <a:r>
+              <a:rPr lang="en-US" sz="2800" dirty="0">
+                <a:solidFill>
+                  <a:srgbClr val="660066"/>
+                </a:solidFill>
+              </a:rPr>
+              <a:t> Patterns</a:t>
+            </a:r>
+          </a:p>
+          <a:p>
+            <a:pPr marL="914400" lvl="1" indent="-457200">
+              <a:buFont typeface="Arial" panose="020B0604020202020204" pitchFamily="34" charset="0"/>
+              <a:buChar char="•"/>
+            </a:pPr>
+            <a:r>
+              <a:rPr lang="en-US" sz="2800" dirty="0">
+                <a:solidFill>
+                  <a:srgbClr val="660066"/>
+                </a:solidFill>
+              </a:rPr>
+              <a:t>Stabilize Variance (Homoscedasticity)</a:t>
+            </a:r>
+          </a:p>
+          <a:p>
+            <a:pPr marL="914400" lvl="1" indent="-457200">
+              <a:buFont typeface="Arial" panose="020B0604020202020204" pitchFamily="34" charset="0"/>
+              <a:buChar char="•"/>
+            </a:pPr>
+            <a:r>
+              <a:rPr lang="en-US" sz="2800" dirty="0">
+                <a:solidFill>
+                  <a:srgbClr val="660066"/>
+                </a:solidFill>
+              </a:rPr>
+              <a:t>Make Residuals More “Normally Distributed”</a:t>
+            </a:r>
+          </a:p>
+          <a:p>
+            <a:pPr marL="914400" lvl="1" indent="-457200">
+              <a:buFont typeface="Arial" panose="020B0604020202020204" pitchFamily="34" charset="0"/>
+              <a:buChar char="•"/>
+            </a:pPr>
+            <a:r>
+              <a:rPr lang="en-US" sz="2800" dirty="0">
+                <a:solidFill>
+                  <a:srgbClr val="660066"/>
+                </a:solidFill>
+              </a:rPr>
+              <a:t>Minimize Effect of Outliers</a:t>
+            </a:r>
+          </a:p>
+          <a:p>
+            <a:pPr marL="914400" lvl="1" indent="-457200">
               <a:buFont typeface="Arial" panose="020B0604020202020204" pitchFamily="34" charset="0"/>
               <a:buChar char="•"/>
             </a:pPr>
@@ -5195,15 +5317,15 @@
                   <a:srgbClr val="660066"/>
                 </a:solidFill>
               </a:rPr>
-              <a:t>Unzip Folder  and Open the </a:t>
-            </a:r>
-            <a:r>
-              <a:rPr lang="en-US" sz="2800" dirty="0" err="1">
+              <a:t>Focus is on </a:t>
+            </a:r>
+            <a:r>
+              <a:rPr lang="en-US" sz="2800" b="1" dirty="0">
                 <a:solidFill>
                   <a:srgbClr val="660066"/>
                 </a:solidFill>
               </a:rPr>
-              <a:t>Template.rmd</a:t>
+              <a:t>Non-Linear</a:t>
             </a:r>
             <a:r>
               <a:rPr lang="en-US" sz="2800" dirty="0">
@@ -5211,143 +5333,15 @@
                   <a:srgbClr val="660066"/>
                 </a:solidFill>
               </a:rPr>
-              <a:t> File</a:t>
-            </a:r>
-          </a:p>
-          <a:p>
-            <a:pPr marL="457200" indent="-457200">
-              <a:buFont typeface="Arial" panose="020B0604020202020204" pitchFamily="34" charset="0"/>
-              <a:buChar char="•"/>
-            </a:pPr>
-            <a:endParaRPr lang="en-US" sz="2800" dirty="0">
-              <a:solidFill>
-                <a:srgbClr val="660066"/>
-              </a:solidFill>
-            </a:endParaRPr>
-          </a:p>
-          <a:p>
-            <a:pPr marL="457200" indent="-457200">
-              <a:buFont typeface="Arial" panose="020B0604020202020204" pitchFamily="34" charset="0"/>
-              <a:buChar char="•"/>
-            </a:pPr>
-            <a:r>
-              <a:rPr lang="en-US" sz="2800" dirty="0">
-                <a:solidFill>
-                  <a:srgbClr val="660066"/>
-                </a:solidFill>
-              </a:rPr>
-              <a:t>Stamp Data</a:t>
-            </a:r>
-          </a:p>
-          <a:p>
-            <a:pPr marL="914400" lvl="1" indent="-457200">
-              <a:buFont typeface="Arial" panose="020B0604020202020204" pitchFamily="34" charset="0"/>
-              <a:buChar char="•"/>
-            </a:pPr>
-            <a:r>
-              <a:rPr lang="en-US" sz="2800" i="1" dirty="0">
-                <a:solidFill>
-                  <a:srgbClr val="660066"/>
-                </a:solidFill>
-              </a:rPr>
-              <a:t>Price = Price of US Stamp (Cents)</a:t>
-            </a:r>
-          </a:p>
-          <a:p>
-            <a:pPr marL="914400" lvl="1" indent="-457200">
-              <a:buFont typeface="Arial" panose="020B0604020202020204" pitchFamily="34" charset="0"/>
-              <a:buChar char="•"/>
-            </a:pPr>
-            <a:r>
-              <a:rPr lang="en-US" sz="2800" i="1" dirty="0">
-                <a:solidFill>
-                  <a:srgbClr val="660066"/>
-                </a:solidFill>
-              </a:rPr>
-              <a:t>Year = Year When Price of Stamp Changed</a:t>
-            </a:r>
-          </a:p>
-          <a:p>
-            <a:pPr marL="914400" lvl="1" indent="-457200">
-              <a:buFont typeface="Arial" panose="020B0604020202020204" pitchFamily="34" charset="0"/>
-              <a:buChar char="•"/>
-            </a:pPr>
-            <a:r>
-              <a:rPr lang="en-US" sz="2800" dirty="0">
-                <a:solidFill>
-                  <a:srgbClr val="660066"/>
-                </a:solidFill>
-              </a:rPr>
-              <a:t>Question: </a:t>
-            </a:r>
-            <a:r>
-              <a:rPr lang="en-US" sz="2800" i="1" dirty="0">
-                <a:solidFill>
-                  <a:srgbClr val="660066"/>
-                </a:solidFill>
-              </a:rPr>
-              <a:t>Can we use a </a:t>
-            </a:r>
-            <a:r>
-              <a:rPr lang="en-US" sz="2800" b="1" i="1" dirty="0">
-                <a:solidFill>
-                  <a:srgbClr val="660066"/>
-                </a:solidFill>
-              </a:rPr>
-              <a:t>linear regression</a:t>
-            </a:r>
-            <a:r>
-              <a:rPr lang="en-US" sz="2800" i="1" dirty="0">
-                <a:solidFill>
-                  <a:srgbClr val="660066"/>
-                </a:solidFill>
-              </a:rPr>
-              <a:t> to understand how the </a:t>
-            </a:r>
-            <a:r>
-              <a:rPr lang="en-US" sz="2800" b="1" i="1" dirty="0">
-                <a:solidFill>
-                  <a:srgbClr val="660066"/>
-                </a:solidFill>
-              </a:rPr>
-              <a:t>price</a:t>
-            </a:r>
-            <a:r>
-              <a:rPr lang="en-US" sz="2800" i="1" dirty="0">
-                <a:solidFill>
-                  <a:srgbClr val="660066"/>
-                </a:solidFill>
-              </a:rPr>
-              <a:t> changes over </a:t>
-            </a:r>
-            <a:r>
-              <a:rPr lang="en-US" sz="2800" b="1" i="1" dirty="0">
-                <a:solidFill>
-                  <a:srgbClr val="660066"/>
-                </a:solidFill>
-              </a:rPr>
-              <a:t>time</a:t>
-            </a:r>
-            <a:r>
-              <a:rPr lang="en-US" sz="2800" i="1" dirty="0">
-                <a:solidFill>
-                  <a:srgbClr val="660066"/>
-                </a:solidFill>
-              </a:rPr>
-              <a:t>?</a:t>
-            </a:r>
-            <a:endParaRPr lang="en-US" sz="2800" dirty="0">
-              <a:solidFill>
-                <a:srgbClr val="660066"/>
-              </a:solidFill>
-            </a:endParaRPr>
+              <a:t> Transformations</a:t>
+            </a:r>
           </a:p>
         </p:txBody>
       </p:sp>
     </p:spTree>
     <p:extLst>
       <p:ext uri="{BB962C8B-B14F-4D97-AF65-F5344CB8AC3E}">
-        <p14:creationId xmlns:p14="http://schemas.microsoft.com/office/powerpoint/2010/main" val="3125860385"/>
+        <p14:creationId xmlns:p14="http://schemas.microsoft.com/office/powerpoint/2010/main" val="3024934863"/>
       </p:ext>
     </p:extLst>
   </p:cSld>
@@ -5520,10 +5514,11 @@
                 <a:solidFill>
                   <a:srgbClr val="2D3A37"/>
                 </a:solidFill>
+                <a:effectLst/>
                 <a:latin typeface="Adobe Devanagari" panose="02040503050201020203" pitchFamily="18" charset="0"/>
                 <a:cs typeface="Adobe Devanagari" panose="02040503050201020203" pitchFamily="18" charset="0"/>
               </a:rPr>
-              <a:t>Supplement for Lecture 5</a:t>
+              <a:t>Most Common Types</a:t>
             </a:r>
             <a:endParaRPr lang="en-US" sz="4800" dirty="0">
               <a:solidFill>
@@ -5533,317 +5528,746 @@
           </a:p>
         </p:txBody>
       </p:sp>
-      <p:sp>
-        <p:nvSpPr>
-          <p:cNvPr id="7" name="TextBox 6">
-            <a:extLst>
-              <a:ext uri="{FF2B5EF4-FFF2-40B4-BE49-F238E27FC236}">
-                <a16:creationId xmlns:a16="http://schemas.microsoft.com/office/drawing/2014/main" id="{D9B238EA-D04E-3255-7509-F990F1A8F309}"/>
-              </a:ext>
-            </a:extLst>
-          </p:cNvPr>
-          <p:cNvSpPr txBox="1"/>
-          <p:nvPr/>
-        </p:nvSpPr>
-        <p:spPr>
-          <a:xfrm>
-            <a:off x="495300" y="1977074"/>
-            <a:ext cx="11201400" cy="4869418"/>
-          </a:xfrm>
-          <a:prstGeom prst="roundRect">
-            <a:avLst/>
-          </a:prstGeom>
-          <a:solidFill>
-            <a:schemeClr val="bg1"/>
-          </a:solidFill>
-          <a:ln w="76200">
-            <a:solidFill>
-              <a:srgbClr val="FFC416"/>
-            </a:solidFill>
-          </a:ln>
-        </p:spPr>
-        <p:style>
-          <a:lnRef idx="2">
-            <a:schemeClr val="dk1"/>
-          </a:lnRef>
-          <a:fillRef idx="1">
-            <a:schemeClr val="lt1"/>
-          </a:fillRef>
-          <a:effectRef idx="0">
-            <a:schemeClr val="dk1"/>
-          </a:effectRef>
-          <a:fontRef idx="minor">
-            <a:schemeClr val="dk1"/>
-          </a:fontRef>
-        </p:style>
-        <p:txBody>
-          <a:bodyPr wrap="square" rtlCol="0">
-            <a:spAutoFit/>
-          </a:bodyPr>
-          <a:lstStyle/>
-          <a:p>
-            <a:pPr marL="457200" indent="-457200">
-              <a:buFont typeface="Arial" panose="020B0604020202020204" pitchFamily="34" charset="0"/>
-              <a:buChar char="•"/>
-            </a:pPr>
-            <a:r>
-              <a:rPr lang="en-US" sz="2800" dirty="0">
+      <mc:AlternateContent xmlns:mc="http://schemas.openxmlformats.org/markup-compatibility/2006">
+        <mc:Choice xmlns:a14="http://schemas.microsoft.com/office/drawing/2010/main" Requires="a14">
+          <p:sp>
+            <p:nvSpPr>
+              <p:cNvPr id="7" name="TextBox 6">
+                <a:extLst>
+                  <a:ext uri="{FF2B5EF4-FFF2-40B4-BE49-F238E27FC236}">
+                    <a16:creationId xmlns:a16="http://schemas.microsoft.com/office/drawing/2014/main" id="{D9B238EA-D04E-3255-7509-F990F1A8F309}"/>
+                  </a:ext>
+                </a:extLst>
+              </p:cNvPr>
+              <p:cNvSpPr txBox="1"/>
+              <p:nvPr/>
+            </p:nvSpPr>
+            <p:spPr>
+              <a:xfrm>
+                <a:off x="495300" y="1974467"/>
+                <a:ext cx="11201400" cy="3924479"/>
+              </a:xfrm>
+              <a:prstGeom prst="roundRect">
+                <a:avLst/>
+              </a:prstGeom>
+              <a:solidFill>
+                <a:schemeClr val="bg1"/>
+              </a:solidFill>
+              <a:ln w="76200">
                 <a:solidFill>
-                  <a:srgbClr val="660066"/>
+                  <a:srgbClr val="FFC416"/>
                 </a:solidFill>
-              </a:rPr>
-              <a:t>Example Based off Exercise 1.33 from Textbook</a:t>
-            </a:r>
-          </a:p>
-          <a:p>
-            <a:pPr marL="457200" indent="-457200">
-              <a:buFont typeface="Arial" panose="020B0604020202020204" pitchFamily="34" charset="0"/>
-              <a:buChar char="•"/>
-            </a:pPr>
-            <a:endParaRPr lang="en-US" sz="2800" dirty="0">
-              <a:solidFill>
-                <a:srgbClr val="660066"/>
-              </a:solidFill>
-            </a:endParaRPr>
-          </a:p>
-          <a:p>
-            <a:pPr marL="457200" indent="-457200">
-              <a:buFont typeface="Arial" panose="020B0604020202020204" pitchFamily="34" charset="0"/>
-              <a:buChar char="•"/>
-            </a:pPr>
-            <a:r>
-              <a:rPr lang="en-US" sz="2800" dirty="0">
+              </a:ln>
+            </p:spPr>
+            <p:style>
+              <a:lnRef idx="2">
+                <a:schemeClr val="dk1"/>
+              </a:lnRef>
+              <a:fillRef idx="1">
+                <a:schemeClr val="lt1"/>
+              </a:fillRef>
+              <a:effectRef idx="0">
+                <a:schemeClr val="dk1"/>
+              </a:effectRef>
+              <a:fontRef idx="minor">
+                <a:schemeClr val="dk1"/>
+              </a:fontRef>
+            </p:style>
+            <p:txBody>
+              <a:bodyPr wrap="square" rtlCol="0">
+                <a:spAutoFit/>
+              </a:bodyPr>
+              <a:lstStyle/>
+              <a:p>
+                <a:pPr marL="457200" indent="-457200">
+                  <a:buFont typeface="Arial" panose="020B0604020202020204" pitchFamily="34" charset="0"/>
+                  <a:buChar char="•"/>
+                </a:pPr>
+                <a:r>
+                  <a:rPr lang="en-US" sz="2800" dirty="0">
+                    <a:solidFill>
+                      <a:srgbClr val="660066"/>
+                    </a:solidFill>
+                  </a:rPr>
+                  <a:t>Logarithmic: </a:t>
+                </a:r>
+                <a14:m>
+                  <m:oMath xmlns:m="http://schemas.openxmlformats.org/officeDocument/2006/math">
+                    <m:sSup>
+                      <m:sSupPr>
+                        <m:ctrlPr>
+                          <a:rPr lang="en-US" sz="2800" b="0" i="1" smtClean="0">
+                            <a:solidFill>
+                              <a:srgbClr val="660066"/>
+                            </a:solidFill>
+                            <a:latin typeface="Cambria Math" panose="02040503050406030204" pitchFamily="18" charset="0"/>
+                          </a:rPr>
+                        </m:ctrlPr>
+                      </m:sSupPr>
+                      <m:e>
+                        <m:r>
+                          <a:rPr lang="en-US" sz="2800" b="0" i="1" smtClean="0">
+                            <a:solidFill>
+                              <a:srgbClr val="660066"/>
+                            </a:solidFill>
+                            <a:latin typeface="Cambria Math" panose="02040503050406030204" pitchFamily="18" charset="0"/>
+                          </a:rPr>
+                          <m:t>𝑌</m:t>
+                        </m:r>
+                      </m:e>
+                      <m:sup>
+                        <m:r>
+                          <a:rPr lang="en-US" sz="2800" b="0" i="1" smtClean="0">
+                            <a:solidFill>
+                              <a:srgbClr val="660066"/>
+                            </a:solidFill>
+                            <a:latin typeface="Cambria Math" panose="02040503050406030204" pitchFamily="18" charset="0"/>
+                          </a:rPr>
+                          <m:t>′</m:t>
+                        </m:r>
+                      </m:sup>
+                    </m:sSup>
+                    <m:r>
+                      <a:rPr lang="en-US" sz="2800" b="0" i="1" smtClean="0">
+                        <a:solidFill>
+                          <a:srgbClr val="660066"/>
+                        </a:solidFill>
+                        <a:latin typeface="Cambria Math" panose="02040503050406030204" pitchFamily="18" charset="0"/>
+                      </a:rPr>
+                      <m:t>=</m:t>
+                    </m:r>
+                    <m:r>
+                      <m:rPr>
+                        <m:sty m:val="p"/>
+                      </m:rPr>
+                      <a:rPr lang="en-US" sz="2800" b="0" i="0" smtClean="0">
+                        <a:solidFill>
+                          <a:srgbClr val="660066"/>
+                        </a:solidFill>
+                        <a:latin typeface="Cambria Math" panose="02040503050406030204" pitchFamily="18" charset="0"/>
+                      </a:rPr>
+                      <m:t>log</m:t>
+                    </m:r>
+                    <m:r>
+                      <a:rPr lang="en-US" sz="2800" b="0" i="1" smtClean="0">
+                        <a:solidFill>
+                          <a:srgbClr val="660066"/>
+                        </a:solidFill>
+                        <a:latin typeface="Cambria Math" panose="02040503050406030204" pitchFamily="18" charset="0"/>
+                      </a:rPr>
+                      <m:t>⁡(</m:t>
+                    </m:r>
+                    <m:r>
+                      <a:rPr lang="en-US" sz="2800" b="0" i="1" smtClean="0">
+                        <a:solidFill>
+                          <a:srgbClr val="660066"/>
+                        </a:solidFill>
+                        <a:latin typeface="Cambria Math" panose="02040503050406030204" pitchFamily="18" charset="0"/>
+                      </a:rPr>
+                      <m:t>𝑌</m:t>
+                    </m:r>
+                    <m:r>
+                      <a:rPr lang="en-US" sz="2800" b="0" i="1" smtClean="0">
+                        <a:solidFill>
+                          <a:srgbClr val="660066"/>
+                        </a:solidFill>
+                        <a:latin typeface="Cambria Math" panose="02040503050406030204" pitchFamily="18" charset="0"/>
+                      </a:rPr>
+                      <m:t>)</m:t>
+                    </m:r>
+                  </m:oMath>
+                </a14:m>
+                <a:endParaRPr lang="en-US" sz="2800" dirty="0">
+                  <a:solidFill>
+                    <a:srgbClr val="660066"/>
+                  </a:solidFill>
+                </a:endParaRPr>
+              </a:p>
+              <a:p>
+                <a:pPr marL="457200" indent="-457200">
+                  <a:buFont typeface="Arial" panose="020B0604020202020204" pitchFamily="34" charset="0"/>
+                  <a:buChar char="•"/>
+                </a:pPr>
+                <a:endParaRPr lang="en-US" sz="2800" dirty="0">
+                  <a:solidFill>
+                    <a:srgbClr val="660066"/>
+                  </a:solidFill>
+                </a:endParaRPr>
+              </a:p>
+              <a:p>
+                <a:pPr marL="457200" indent="-457200">
+                  <a:buFont typeface="Arial" panose="020B0604020202020204" pitchFamily="34" charset="0"/>
+                  <a:buChar char="•"/>
+                </a:pPr>
+                <a:r>
+                  <a:rPr lang="en-US" sz="2800" dirty="0">
+                    <a:solidFill>
+                      <a:srgbClr val="660066"/>
+                    </a:solidFill>
+                  </a:rPr>
+                  <a:t>Power Function </a:t>
+                </a:r>
+                <a14:m>
+                  <m:oMath xmlns:m="http://schemas.openxmlformats.org/officeDocument/2006/math">
+                    <m:sSup>
+                      <m:sSupPr>
+                        <m:ctrlPr>
+                          <a:rPr lang="en-US" sz="2800" b="0" i="1" smtClean="0">
+                            <a:solidFill>
+                              <a:srgbClr val="660066"/>
+                            </a:solidFill>
+                            <a:latin typeface="Cambria Math" panose="02040503050406030204" pitchFamily="18" charset="0"/>
+                          </a:rPr>
+                        </m:ctrlPr>
+                      </m:sSupPr>
+                      <m:e>
+                        <m:r>
+                          <a:rPr lang="en-US" sz="2800" b="0" i="1" smtClean="0">
+                            <a:solidFill>
+                              <a:srgbClr val="660066"/>
+                            </a:solidFill>
+                            <a:latin typeface="Cambria Math" panose="02040503050406030204" pitchFamily="18" charset="0"/>
+                          </a:rPr>
+                          <m:t>𝑌</m:t>
+                        </m:r>
+                      </m:e>
+                      <m:sup>
+                        <m:r>
+                          <a:rPr lang="en-US" sz="2800" b="0" i="1" smtClean="0">
+                            <a:solidFill>
+                              <a:srgbClr val="660066"/>
+                            </a:solidFill>
+                            <a:latin typeface="Cambria Math" panose="02040503050406030204" pitchFamily="18" charset="0"/>
+                          </a:rPr>
+                          <m:t>′</m:t>
+                        </m:r>
+                      </m:sup>
+                    </m:sSup>
+                    <m:r>
+                      <a:rPr lang="en-US" sz="2800" b="0" i="1" smtClean="0">
+                        <a:solidFill>
+                          <a:srgbClr val="660066"/>
+                        </a:solidFill>
+                        <a:latin typeface="Cambria Math" panose="02040503050406030204" pitchFamily="18" charset="0"/>
+                      </a:rPr>
+                      <m:t>=</m:t>
+                    </m:r>
+                    <m:sSup>
+                      <m:sSupPr>
+                        <m:ctrlPr>
+                          <a:rPr lang="en-US" sz="2800" b="0" i="1" smtClean="0">
+                            <a:solidFill>
+                              <a:srgbClr val="660066"/>
+                            </a:solidFill>
+                            <a:latin typeface="Cambria Math" panose="02040503050406030204" pitchFamily="18" charset="0"/>
+                          </a:rPr>
+                        </m:ctrlPr>
+                      </m:sSupPr>
+                      <m:e>
+                        <m:r>
+                          <a:rPr lang="en-US" sz="2800" b="0" i="1" smtClean="0">
+                            <a:solidFill>
+                              <a:srgbClr val="660066"/>
+                            </a:solidFill>
+                            <a:latin typeface="Cambria Math" panose="02040503050406030204" pitchFamily="18" charset="0"/>
+                          </a:rPr>
+                          <m:t>𝑌</m:t>
+                        </m:r>
+                      </m:e>
+                      <m:sup>
+                        <m:r>
+                          <a:rPr lang="en-US" sz="2800" b="0" i="1" smtClean="0">
+                            <a:solidFill>
+                              <a:srgbClr val="660066"/>
+                            </a:solidFill>
+                            <a:latin typeface="Cambria Math" panose="02040503050406030204" pitchFamily="18" charset="0"/>
+                          </a:rPr>
+                          <m:t>𝑘</m:t>
+                        </m:r>
+                      </m:sup>
+                    </m:sSup>
+                    <m:r>
+                      <a:rPr lang="en-US" sz="2800" b="0" i="0" smtClean="0">
+                        <a:solidFill>
+                          <a:srgbClr val="660066"/>
+                        </a:solidFill>
+                        <a:latin typeface="Cambria Math" panose="02040503050406030204" pitchFamily="18" charset="0"/>
+                      </a:rPr>
+                      <m:t>   </m:t>
+                    </m:r>
+                    <m:r>
+                      <m:rPr>
+                        <m:sty m:val="p"/>
+                      </m:rPr>
+                      <a:rPr lang="en-US" sz="2800" b="0" i="0" smtClean="0">
+                        <a:solidFill>
+                          <a:srgbClr val="660066"/>
+                        </a:solidFill>
+                        <a:latin typeface="Cambria Math" panose="02040503050406030204" pitchFamily="18" charset="0"/>
+                      </a:rPr>
+                      <m:t>where</m:t>
+                    </m:r>
+                    <m:r>
+                      <a:rPr lang="en-US" sz="2800" b="0" i="0" smtClean="0">
+                        <a:solidFill>
+                          <a:srgbClr val="660066"/>
+                        </a:solidFill>
+                        <a:latin typeface="Cambria Math" panose="02040503050406030204" pitchFamily="18" charset="0"/>
+                      </a:rPr>
+                      <m:t> </m:t>
+                    </m:r>
+                    <m:r>
+                      <a:rPr lang="en-US" sz="2800" b="0" i="1" smtClean="0">
+                        <a:solidFill>
+                          <a:srgbClr val="660066"/>
+                        </a:solidFill>
+                        <a:latin typeface="Cambria Math" panose="02040503050406030204" pitchFamily="18" charset="0"/>
+                      </a:rPr>
+                      <m:t>𝑘</m:t>
+                    </m:r>
+                    <m:r>
+                      <a:rPr lang="en-US" sz="2800" b="0" i="1" smtClean="0">
+                        <a:solidFill>
+                          <a:srgbClr val="660066"/>
+                        </a:solidFill>
+                        <a:latin typeface="Cambria Math" panose="02040503050406030204" pitchFamily="18" charset="0"/>
+                      </a:rPr>
+                      <m:t>∈</m:t>
+                    </m:r>
+                    <m:r>
+                      <a:rPr lang="en-US" sz="2800" b="0" i="1" smtClean="0">
+                        <a:solidFill>
+                          <a:srgbClr val="660066"/>
+                        </a:solidFill>
+                        <a:latin typeface="Cambria Math" panose="02040503050406030204" pitchFamily="18" charset="0"/>
+                        <a:ea typeface="Cambria Math" panose="02040503050406030204" pitchFamily="18" charset="0"/>
+                      </a:rPr>
+                      <m:t>ℝ</m:t>
+                    </m:r>
+                  </m:oMath>
+                </a14:m>
+                <a:endParaRPr lang="en-US" sz="2800" dirty="0">
+                  <a:solidFill>
+                    <a:srgbClr val="660066"/>
+                  </a:solidFill>
+                </a:endParaRPr>
+              </a:p>
+              <a:p>
+                <a:pPr marL="914400" lvl="1" indent="-457200">
+                  <a:buFont typeface="Arial" panose="020B0604020202020204" pitchFamily="34" charset="0"/>
+                  <a:buChar char="•"/>
+                </a:pPr>
+                <a:r>
+                  <a:rPr lang="en-US" sz="2800" dirty="0">
+                    <a:solidFill>
+                      <a:srgbClr val="660066"/>
+                    </a:solidFill>
+                  </a:rPr>
+                  <a:t>Square Root (Special Case when </a:t>
+                </a:r>
+                <a:r>
+                  <a:rPr lang="en-US" sz="2800" i="1" dirty="0">
+                    <a:solidFill>
+                      <a:srgbClr val="660066"/>
+                    </a:solidFill>
+                  </a:rPr>
+                  <a:t>k=2)</a:t>
+                </a:r>
+                <a:endParaRPr lang="en-US" sz="2800" dirty="0">
+                  <a:solidFill>
+                    <a:srgbClr val="660066"/>
+                  </a:solidFill>
+                </a:endParaRPr>
+              </a:p>
+              <a:p>
+                <a:pPr marL="914400" lvl="1" indent="-457200">
+                  <a:buFont typeface="Arial" panose="020B0604020202020204" pitchFamily="34" charset="0"/>
+                  <a:buChar char="•"/>
+                </a:pPr>
+                <a:r>
+                  <a:rPr lang="en-US" sz="2800" dirty="0">
+                    <a:solidFill>
+                      <a:srgbClr val="660066"/>
+                    </a:solidFill>
+                  </a:rPr>
+                  <a:t>Reciprocal (Special Case when </a:t>
+                </a:r>
+                <a:r>
+                  <a:rPr lang="en-US" sz="2800" i="1" dirty="0">
+                    <a:solidFill>
+                      <a:srgbClr val="660066"/>
+                    </a:solidFill>
+                  </a:rPr>
+                  <a:t>k=-1)</a:t>
+                </a:r>
+              </a:p>
+              <a:p>
+                <a:pPr marL="457200" indent="-457200">
+                  <a:buFont typeface="Arial" panose="020B0604020202020204" pitchFamily="34" charset="0"/>
+                  <a:buChar char="•"/>
+                </a:pPr>
+                <a:endParaRPr lang="en-US" sz="2800" dirty="0">
+                  <a:solidFill>
+                    <a:srgbClr val="660066"/>
+                  </a:solidFill>
+                </a:endParaRPr>
+              </a:p>
+              <a:p>
+                <a:pPr marL="457200" indent="-457200">
+                  <a:buFont typeface="Arial" panose="020B0604020202020204" pitchFamily="34" charset="0"/>
+                  <a:buChar char="•"/>
+                </a:pPr>
+                <a:r>
+                  <a:rPr lang="en-US" sz="2800" dirty="0">
+                    <a:solidFill>
+                      <a:srgbClr val="660066"/>
+                    </a:solidFill>
+                  </a:rPr>
+                  <a:t>Exponentiation: </a:t>
+                </a:r>
+                <a14:m>
+                  <m:oMath xmlns:m="http://schemas.openxmlformats.org/officeDocument/2006/math">
+                    <m:sSup>
+                      <m:sSupPr>
+                        <m:ctrlPr>
+                          <a:rPr lang="en-US" sz="2800" b="0" i="1" smtClean="0">
+                            <a:solidFill>
+                              <a:srgbClr val="660066"/>
+                            </a:solidFill>
+                            <a:latin typeface="Cambria Math" panose="02040503050406030204" pitchFamily="18" charset="0"/>
+                          </a:rPr>
+                        </m:ctrlPr>
+                      </m:sSupPr>
+                      <m:e>
+                        <m:r>
+                          <a:rPr lang="en-US" sz="2800" b="0" i="1" smtClean="0">
+                            <a:solidFill>
+                              <a:srgbClr val="660066"/>
+                            </a:solidFill>
+                            <a:latin typeface="Cambria Math" panose="02040503050406030204" pitchFamily="18" charset="0"/>
+                          </a:rPr>
+                          <m:t>𝑌</m:t>
+                        </m:r>
+                      </m:e>
+                      <m:sup>
+                        <m:r>
+                          <a:rPr lang="en-US" sz="2800" b="0" i="1" smtClean="0">
+                            <a:solidFill>
+                              <a:srgbClr val="660066"/>
+                            </a:solidFill>
+                            <a:latin typeface="Cambria Math" panose="02040503050406030204" pitchFamily="18" charset="0"/>
+                          </a:rPr>
+                          <m:t>′</m:t>
+                        </m:r>
+                      </m:sup>
+                    </m:sSup>
+                    <m:r>
+                      <a:rPr lang="en-US" sz="2800" b="0" i="1" smtClean="0">
+                        <a:solidFill>
+                          <a:srgbClr val="660066"/>
+                        </a:solidFill>
+                        <a:latin typeface="Cambria Math" panose="02040503050406030204" pitchFamily="18" charset="0"/>
+                      </a:rPr>
+                      <m:t>=</m:t>
+                    </m:r>
+                    <m:sSup>
+                      <m:sSupPr>
+                        <m:ctrlPr>
+                          <a:rPr lang="en-US" sz="2800" b="0" i="1" smtClean="0">
+                            <a:solidFill>
+                              <a:srgbClr val="660066"/>
+                            </a:solidFill>
+                            <a:latin typeface="Cambria Math" panose="02040503050406030204" pitchFamily="18" charset="0"/>
+                          </a:rPr>
+                        </m:ctrlPr>
+                      </m:sSupPr>
+                      <m:e>
+                        <m:r>
+                          <a:rPr lang="en-US" sz="2800" b="0" i="1" smtClean="0">
+                            <a:solidFill>
+                              <a:srgbClr val="660066"/>
+                            </a:solidFill>
+                            <a:latin typeface="Cambria Math" panose="02040503050406030204" pitchFamily="18" charset="0"/>
+                          </a:rPr>
+                          <m:t>𝑘</m:t>
+                        </m:r>
+                      </m:e>
+                      <m:sup>
+                        <m:r>
+                          <a:rPr lang="en-US" sz="2800" b="0" i="1" smtClean="0">
+                            <a:solidFill>
+                              <a:srgbClr val="660066"/>
+                            </a:solidFill>
+                            <a:latin typeface="Cambria Math" panose="02040503050406030204" pitchFamily="18" charset="0"/>
+                          </a:rPr>
+                          <m:t>𝑌</m:t>
+                        </m:r>
+                      </m:sup>
+                    </m:sSup>
+                  </m:oMath>
+                </a14:m>
+                <a:endParaRPr lang="en-US" sz="2800" b="0" dirty="0">
+                  <a:solidFill>
+                    <a:srgbClr val="660066"/>
+                  </a:solidFill>
+                </a:endParaRPr>
+              </a:p>
+              <a:p>
+                <a:pPr marL="914400" lvl="1" indent="-457200">
+                  <a:buFont typeface="Arial" panose="020B0604020202020204" pitchFamily="34" charset="0"/>
+                  <a:buChar char="•"/>
+                </a:pPr>
+                <a:r>
+                  <a:rPr lang="en-US" sz="2800" dirty="0">
+                    <a:solidFill>
+                      <a:srgbClr val="660066"/>
+                    </a:solidFill>
+                  </a:rPr>
+                  <a:t>Exponential Growth </a:t>
+                </a:r>
+                <a14:m>
+                  <m:oMath xmlns:m="http://schemas.openxmlformats.org/officeDocument/2006/math">
+                    <m:sSup>
+                      <m:sSupPr>
+                        <m:ctrlPr>
+                          <a:rPr lang="en-US" sz="2800" b="0" i="1" smtClean="0">
+                            <a:solidFill>
+                              <a:srgbClr val="660066"/>
+                            </a:solidFill>
+                            <a:latin typeface="Cambria Math" panose="02040503050406030204" pitchFamily="18" charset="0"/>
+                          </a:rPr>
+                        </m:ctrlPr>
+                      </m:sSupPr>
+                      <m:e>
+                        <m:r>
+                          <a:rPr lang="en-US" sz="2800" b="0" i="1" smtClean="0">
+                            <a:solidFill>
+                              <a:srgbClr val="660066"/>
+                            </a:solidFill>
+                            <a:latin typeface="Cambria Math" panose="02040503050406030204" pitchFamily="18" charset="0"/>
+                          </a:rPr>
+                          <m:t>𝑌</m:t>
+                        </m:r>
+                      </m:e>
+                      <m:sup>
+                        <m:r>
+                          <a:rPr lang="en-US" sz="2800" b="0" i="1" smtClean="0">
+                            <a:solidFill>
+                              <a:srgbClr val="660066"/>
+                            </a:solidFill>
+                            <a:latin typeface="Cambria Math" panose="02040503050406030204" pitchFamily="18" charset="0"/>
+                          </a:rPr>
+                          <m:t>′</m:t>
+                        </m:r>
+                      </m:sup>
+                    </m:sSup>
+                    <m:r>
+                      <a:rPr lang="en-US" sz="2800" b="0" i="1" smtClean="0">
+                        <a:solidFill>
+                          <a:srgbClr val="660066"/>
+                        </a:solidFill>
+                        <a:latin typeface="Cambria Math" panose="02040503050406030204" pitchFamily="18" charset="0"/>
+                      </a:rPr>
+                      <m:t>=</m:t>
+                    </m:r>
+                    <m:sSup>
+                      <m:sSupPr>
+                        <m:ctrlPr>
+                          <a:rPr lang="en-US" sz="2800" b="0" i="1" smtClean="0">
+                            <a:solidFill>
+                              <a:srgbClr val="660066"/>
+                            </a:solidFill>
+                            <a:latin typeface="Cambria Math" panose="02040503050406030204" pitchFamily="18" charset="0"/>
+                          </a:rPr>
+                        </m:ctrlPr>
+                      </m:sSupPr>
+                      <m:e>
+                        <m:r>
+                          <a:rPr lang="en-US" sz="2800" b="0" i="1" smtClean="0">
+                            <a:solidFill>
+                              <a:srgbClr val="660066"/>
+                            </a:solidFill>
+                            <a:latin typeface="Cambria Math" panose="02040503050406030204" pitchFamily="18" charset="0"/>
+                          </a:rPr>
+                          <m:t>𝑒</m:t>
+                        </m:r>
+                      </m:e>
+                      <m:sup>
+                        <m:r>
+                          <a:rPr lang="en-US" sz="2800" b="0" i="1" smtClean="0">
+                            <a:solidFill>
+                              <a:srgbClr val="660066"/>
+                            </a:solidFill>
+                            <a:latin typeface="Cambria Math" panose="02040503050406030204" pitchFamily="18" charset="0"/>
+                          </a:rPr>
+                          <m:t>𝑌</m:t>
+                        </m:r>
+                      </m:sup>
+                    </m:sSup>
+                    <m:r>
+                      <a:rPr lang="en-US" sz="2800" b="0" i="1" smtClean="0">
+                        <a:solidFill>
+                          <a:srgbClr val="660066"/>
+                        </a:solidFill>
+                        <a:latin typeface="Cambria Math" panose="02040503050406030204" pitchFamily="18" charset="0"/>
+                      </a:rPr>
+                      <m:t>  </m:t>
+                    </m:r>
+                    <m:r>
+                      <m:rPr>
+                        <m:sty m:val="p"/>
+                      </m:rPr>
+                      <a:rPr lang="en-US" sz="2800" b="0" i="0" smtClean="0">
+                        <a:solidFill>
+                          <a:srgbClr val="660066"/>
+                        </a:solidFill>
+                        <a:latin typeface="Cambria Math" panose="02040503050406030204" pitchFamily="18" charset="0"/>
+                      </a:rPr>
+                      <m:t>where</m:t>
+                    </m:r>
+                    <m:r>
+                      <a:rPr lang="en-US" sz="2800" b="0" i="0" smtClean="0">
+                        <a:solidFill>
+                          <a:srgbClr val="660066"/>
+                        </a:solidFill>
+                        <a:latin typeface="Cambria Math" panose="02040503050406030204" pitchFamily="18" charset="0"/>
+                      </a:rPr>
+                      <m:t> </m:t>
+                    </m:r>
+                    <m:r>
+                      <a:rPr lang="en-US" sz="2800" b="0" i="1" smtClean="0">
+                        <a:solidFill>
+                          <a:srgbClr val="660066"/>
+                        </a:solidFill>
+                        <a:latin typeface="Cambria Math" panose="02040503050406030204" pitchFamily="18" charset="0"/>
+                      </a:rPr>
+                      <m:t>𝑒</m:t>
+                    </m:r>
+                    <m:r>
+                      <a:rPr lang="en-US" sz="2800" b="0" i="1" smtClean="0">
+                        <a:solidFill>
+                          <a:srgbClr val="660066"/>
+                        </a:solidFill>
+                        <a:latin typeface="Cambria Math" panose="02040503050406030204" pitchFamily="18" charset="0"/>
+                      </a:rPr>
+                      <m:t>=</m:t>
+                    </m:r>
+                    <m:r>
+                      <a:rPr lang="en-US" sz="2800" b="0" i="1" smtClean="0">
+                        <a:solidFill>
+                          <a:srgbClr val="660066"/>
+                        </a:solidFill>
+                        <a:latin typeface="Cambria Math" panose="02040503050406030204" pitchFamily="18" charset="0"/>
+                      </a:rPr>
+                      <m:t>2</m:t>
+                    </m:r>
+                    <m:r>
+                      <a:rPr lang="en-US" sz="2800" b="0" i="1" smtClean="0">
+                        <a:solidFill>
+                          <a:srgbClr val="660066"/>
+                        </a:solidFill>
+                        <a:latin typeface="Cambria Math" panose="02040503050406030204" pitchFamily="18" charset="0"/>
+                      </a:rPr>
+                      <m:t>.</m:t>
+                    </m:r>
+                    <m:r>
+                      <a:rPr lang="en-US" sz="2800" b="0" i="1" smtClean="0">
+                        <a:solidFill>
+                          <a:srgbClr val="660066"/>
+                        </a:solidFill>
+                        <a:latin typeface="Cambria Math" panose="02040503050406030204" pitchFamily="18" charset="0"/>
+                      </a:rPr>
+                      <m:t>71828</m:t>
+                    </m:r>
+                    <m:r>
+                      <a:rPr lang="en-US" sz="2800" b="0" i="1" smtClean="0">
+                        <a:solidFill>
+                          <a:srgbClr val="660066"/>
+                        </a:solidFill>
+                        <a:latin typeface="Cambria Math" panose="02040503050406030204" pitchFamily="18" charset="0"/>
+                      </a:rPr>
+                      <m:t> (</m:t>
+                    </m:r>
+                    <m:r>
+                      <a:rPr lang="en-US" sz="2800" b="0" i="1" smtClean="0">
+                        <a:solidFill>
+                          <a:srgbClr val="660066"/>
+                        </a:solidFill>
+                        <a:latin typeface="Cambria Math" panose="02040503050406030204" pitchFamily="18" charset="0"/>
+                      </a:rPr>
+                      <m:t>𝐶𝑜𝑛𝑠𝑡𝑎𝑛𝑡</m:t>
+                    </m:r>
+                    <m:r>
+                      <a:rPr lang="en-US" sz="2800" b="0" i="1" smtClean="0">
+                        <a:solidFill>
+                          <a:srgbClr val="660066"/>
+                        </a:solidFill>
+                        <a:latin typeface="Cambria Math" panose="02040503050406030204" pitchFamily="18" charset="0"/>
+                      </a:rPr>
+                      <m:t>)</m:t>
+                    </m:r>
+                  </m:oMath>
+                </a14:m>
+                <a:endParaRPr lang="en-US" sz="2800" dirty="0">
+                  <a:solidFill>
+                    <a:srgbClr val="660066"/>
+                  </a:solidFill>
+                </a:endParaRPr>
+              </a:p>
+            </p:txBody>
+          </p:sp>
+        </mc:Choice>
+        <mc:Fallback>
+          <p:sp>
+            <p:nvSpPr>
+              <p:cNvPr id="7" name="TextBox 6">
+                <a:extLst>
+                  <a:ext uri="{FF2B5EF4-FFF2-40B4-BE49-F238E27FC236}">
+                    <a16:creationId xmlns:a16="http://schemas.microsoft.com/office/drawing/2014/main" id="{D9B238EA-D04E-3255-7509-F990F1A8F309}"/>
+                  </a:ext>
+                </a:extLst>
+              </p:cNvPr>
+              <p:cNvSpPr txBox="1">
+                <a:spLocks noRot="1" noChangeAspect="1" noMove="1" noResize="1" noEditPoints="1" noAdjustHandles="1" noChangeArrowheads="1" noChangeShapeType="1" noTextEdit="1"/>
+              </p:cNvSpPr>
+              <p:nvPr/>
+            </p:nvSpPr>
+            <p:spPr>
+              <a:xfrm>
+                <a:off x="495300" y="1974467"/>
+                <a:ext cx="11201400" cy="3924479"/>
+              </a:xfrm>
+              <a:prstGeom prst="roundRect">
+                <a:avLst/>
+              </a:prstGeom>
+              <a:blipFill>
+                <a:blip r:embed="rId3"/>
+                <a:stretch>
+                  <a:fillRect/>
+                </a:stretch>
+              </a:blipFill>
+              <a:ln w="76200">
                 <a:solidFill>
-                  <a:srgbClr val="660066"/>
+                  <a:srgbClr val="FFC416"/>
                 </a:solidFill>
-              </a:rPr>
-              <a:t>Fit Straight Lines to Data With and Without the First Four Years</a:t>
-            </a:r>
-          </a:p>
-          <a:p>
-            <a:pPr marL="457200" indent="-457200">
-              <a:buFont typeface="Arial" panose="020B0604020202020204" pitchFamily="34" charset="0"/>
-              <a:buChar char="•"/>
-            </a:pPr>
-            <a:endParaRPr lang="en-US" sz="2800" dirty="0">
-              <a:solidFill>
-                <a:srgbClr val="660066"/>
-              </a:solidFill>
-            </a:endParaRPr>
-          </a:p>
-          <a:p>
-            <a:pPr marL="457200" indent="-457200">
-              <a:buFont typeface="Arial" panose="020B0604020202020204" pitchFamily="34" charset="0"/>
-              <a:buChar char="•"/>
-            </a:pPr>
-            <a:r>
-              <a:rPr lang="en-US" sz="2800" dirty="0">
-                <a:solidFill>
-                  <a:srgbClr val="660066"/>
-                </a:solidFill>
-              </a:rPr>
-              <a:t>Output From Summary Function</a:t>
-            </a:r>
-          </a:p>
-          <a:p>
-            <a:pPr marL="914400" lvl="1" indent="-457200">
-              <a:buFont typeface="Arial" panose="020B0604020202020204" pitchFamily="34" charset="0"/>
-              <a:buChar char="•"/>
-            </a:pPr>
-            <a:r>
-              <a:rPr lang="en-US" sz="2800" dirty="0">
-                <a:solidFill>
-                  <a:srgbClr val="660066"/>
-                </a:solidFill>
-              </a:rPr>
-              <a:t>Estimated Parameters</a:t>
-            </a:r>
-          </a:p>
-          <a:p>
-            <a:pPr marL="914400" lvl="1" indent="-457200">
-              <a:buFont typeface="Arial" panose="020B0604020202020204" pitchFamily="34" charset="0"/>
-              <a:buChar char="•"/>
-            </a:pPr>
-            <a:r>
-              <a:rPr lang="en-US" sz="2800" dirty="0">
-                <a:solidFill>
-                  <a:srgbClr val="660066"/>
-                </a:solidFill>
-              </a:rPr>
-              <a:t>Residual Standard Error</a:t>
-            </a:r>
-          </a:p>
-          <a:p>
-            <a:pPr marL="914400" lvl="1" indent="-457200">
-              <a:buFont typeface="Arial" panose="020B0604020202020204" pitchFamily="34" charset="0"/>
-              <a:buChar char="•"/>
-            </a:pPr>
-            <a:r>
-              <a:rPr lang="en-US" sz="2800" dirty="0">
-                <a:solidFill>
-                  <a:srgbClr val="660066"/>
-                </a:solidFill>
-              </a:rPr>
-              <a:t>Degrees of Freedom</a:t>
-            </a:r>
-          </a:p>
-          <a:p>
-            <a:pPr lvl="1"/>
-            <a:endParaRPr lang="en-US" sz="2800" dirty="0">
-              <a:solidFill>
-                <a:srgbClr val="660066"/>
-              </a:solidFill>
-            </a:endParaRPr>
-          </a:p>
-          <a:p>
-            <a:endParaRPr lang="en-US" sz="2800" dirty="0">
-              <a:solidFill>
-                <a:srgbClr val="660066"/>
-              </a:solidFill>
-            </a:endParaRPr>
-          </a:p>
-        </p:txBody>
-      </p:sp>
-      <p:pic>
-        <p:nvPicPr>
-          <p:cNvPr id="4" name="Picture 3">
-            <a:extLst>
-              <a:ext uri="{FF2B5EF4-FFF2-40B4-BE49-F238E27FC236}">
-                <a16:creationId xmlns:a16="http://schemas.microsoft.com/office/drawing/2014/main" id="{4A794056-FFF3-737C-CB57-23A6F37C77DF}"/>
-              </a:ext>
-            </a:extLst>
-          </p:cNvPr>
-          <p:cNvPicPr>
-            <a:picLocks noChangeAspect="1"/>
-          </p:cNvPicPr>
-          <p:nvPr/>
-        </p:nvPicPr>
-        <p:blipFill>
-          <a:blip r:embed="rId3"/>
-          <a:stretch>
-            <a:fillRect/>
-          </a:stretch>
-        </p:blipFill>
-        <p:spPr>
-          <a:xfrm>
-            <a:off x="6324599" y="3962400"/>
-            <a:ext cx="4931747" cy="2667000"/>
-          </a:xfrm>
-          <a:prstGeom prst="rect">
-            <a:avLst/>
-          </a:prstGeom>
-        </p:spPr>
-      </p:pic>
-      <p:sp>
-        <p:nvSpPr>
-          <p:cNvPr id="5" name="Rectangle 4">
-            <a:extLst>
-              <a:ext uri="{FF2B5EF4-FFF2-40B4-BE49-F238E27FC236}">
-                <a16:creationId xmlns:a16="http://schemas.microsoft.com/office/drawing/2014/main" id="{E3D36788-B229-E707-0D0B-A8414AE200A7}"/>
-              </a:ext>
-            </a:extLst>
-          </p:cNvPr>
-          <p:cNvSpPr/>
-          <p:nvPr/>
-        </p:nvSpPr>
-        <p:spPr>
-          <a:xfrm>
-            <a:off x="7315200" y="5334000"/>
-            <a:ext cx="838200" cy="381000"/>
-          </a:xfrm>
-          <a:prstGeom prst="rect">
-            <a:avLst/>
-          </a:prstGeom>
-          <a:noFill/>
-          <a:ln w="28575">
-            <a:solidFill>
-              <a:srgbClr val="660066"/>
-            </a:solidFill>
-          </a:ln>
-        </p:spPr>
-        <p:style>
-          <a:lnRef idx="2">
-            <a:schemeClr val="accent1">
-              <a:shade val="15000"/>
-            </a:schemeClr>
-          </a:lnRef>
-          <a:fillRef idx="1">
-            <a:schemeClr val="accent1"/>
-          </a:fillRef>
-          <a:effectRef idx="0">
-            <a:schemeClr val="accent1"/>
-          </a:effectRef>
-          <a:fontRef idx="minor">
-            <a:schemeClr val="lt1"/>
-          </a:fontRef>
-        </p:style>
-        <p:txBody>
-          <a:bodyPr rtlCol="0" anchor="ctr"/>
-          <a:lstStyle/>
-          <a:p>
-            <a:pPr algn="ctr"/>
-            <a:endParaRPr lang="en-US"/>
-          </a:p>
-        </p:txBody>
-      </p:sp>
-      <p:sp>
-        <p:nvSpPr>
-          <p:cNvPr id="8" name="Rectangle 7">
-            <a:extLst>
-              <a:ext uri="{FF2B5EF4-FFF2-40B4-BE49-F238E27FC236}">
-                <a16:creationId xmlns:a16="http://schemas.microsoft.com/office/drawing/2014/main" id="{AEEA894D-9CE2-8384-35FA-EA4161450163}"/>
-              </a:ext>
-            </a:extLst>
-          </p:cNvPr>
-          <p:cNvSpPr/>
-          <p:nvPr/>
-        </p:nvSpPr>
-        <p:spPr>
-          <a:xfrm>
-            <a:off x="8305800" y="6096000"/>
-            <a:ext cx="2362200" cy="228600"/>
-          </a:xfrm>
-          <a:prstGeom prst="rect">
-            <a:avLst/>
-          </a:prstGeom>
-          <a:noFill/>
-          <a:ln w="28575">
-            <a:solidFill>
-              <a:srgbClr val="660066"/>
-            </a:solidFill>
-          </a:ln>
-        </p:spPr>
-        <p:style>
-          <a:lnRef idx="2">
-            <a:schemeClr val="accent1">
-              <a:shade val="15000"/>
-            </a:schemeClr>
-          </a:lnRef>
-          <a:fillRef idx="1">
-            <a:schemeClr val="accent1"/>
-          </a:fillRef>
-          <a:effectRef idx="0">
-            <a:schemeClr val="accent1"/>
-          </a:effectRef>
-          <a:fontRef idx="minor">
-            <a:schemeClr val="lt1"/>
-          </a:fontRef>
-        </p:style>
-        <p:txBody>
-          <a:bodyPr rtlCol="0" anchor="ctr"/>
-          <a:lstStyle/>
-          <a:p>
-            <a:pPr algn="ctr"/>
-            <a:endParaRPr lang="en-US"/>
-          </a:p>
-        </p:txBody>
-      </p:sp>
+              </a:ln>
+            </p:spPr>
+            <p:txBody>
+              <a:bodyPr/>
+              <a:lstStyle/>
+              <a:p>
+                <a:r>
+                  <a:rPr lang="en-US">
+                    <a:noFill/>
+                  </a:rPr>
+                  <a:t> </a:t>
+                </a:r>
+              </a:p>
+            </p:txBody>
+          </p:sp>
+        </mc:Fallback>
+      </mc:AlternateContent>
     </p:spTree>
-    <p:extLst>
-      <p:ext uri="{BB962C8B-B14F-4D97-AF65-F5344CB8AC3E}">
-        <p14:creationId xmlns:p14="http://schemas.microsoft.com/office/powerpoint/2010/main" val="4207365332"/>
-      </p:ext>
-    </p:extLst>
   </p:cSld>
   <p:clrMapOvr>
     <a:masterClrMapping/>
@@ -6017,7 +6441,7 @@
                 <a:latin typeface="Adobe Devanagari" panose="02040503050201020203" pitchFamily="18" charset="0"/>
                 <a:cs typeface="Adobe Devanagari" panose="02040503050201020203" pitchFamily="18" charset="0"/>
               </a:rPr>
-              <a:t>Supplement for Lecture 5</a:t>
+              <a:t>Choosing Transformations</a:t>
             </a:r>
             <a:endParaRPr lang="en-US" sz="4800" dirty="0">
               <a:solidFill>
@@ -6041,8 +6465,8 @@
         </p:nvSpPr>
         <p:spPr>
           <a:xfrm>
-            <a:off x="495300" y="1977074"/>
-            <a:ext cx="11201400" cy="3439239"/>
+            <a:off x="495300" y="1974467"/>
+            <a:ext cx="11201400" cy="4392692"/>
           </a:xfrm>
           <a:prstGeom prst="roundRect">
             <a:avLst/>
@@ -6081,20 +6505,33 @@
               <a:buChar char="•"/>
             </a:pPr>
             <a:r>
+              <a:rPr lang="en-US" sz="2800" b="1" dirty="0">
+                <a:solidFill>
+                  <a:srgbClr val="660066"/>
+                </a:solidFill>
+              </a:rPr>
+              <a:t>Monotonicity: </a:t>
+            </a:r>
+            <a:r>
               <a:rPr lang="en-US" sz="2800" dirty="0">
                 <a:solidFill>
                   <a:srgbClr val="660066"/>
                 </a:solidFill>
               </a:rPr>
-              <a:t>Obtaining Fitted Values and Residuals from Models</a:t>
-            </a:r>
+              <a:t>Always increasing or decreasing</a:t>
+            </a:r>
+            <a:endParaRPr lang="en-US" sz="2800" b="1" dirty="0">
+              <a:solidFill>
+                <a:srgbClr val="660066"/>
+              </a:solidFill>
+            </a:endParaRPr>
           </a:p>
           <a:p>
             <a:pPr marL="457200" indent="-457200">
               <a:buFont typeface="Arial" panose="020B0604020202020204" pitchFamily="34" charset="0"/>
               <a:buChar char="•"/>
             </a:pPr>
-            <a:endParaRPr lang="en-US" sz="2800" dirty="0">
+            <a:endParaRPr lang="en-US" sz="2800" b="1" dirty="0">
               <a:solidFill>
                 <a:srgbClr val="660066"/>
               </a:solidFill>
@@ -6105,36 +6542,60 @@
               <a:buFont typeface="Arial" panose="020B0604020202020204" pitchFamily="34" charset="0"/>
               <a:buChar char="•"/>
             </a:pPr>
-            <a:endParaRPr lang="en-US" sz="2800" dirty="0">
-              <a:solidFill>
-                <a:srgbClr val="660066"/>
-              </a:solidFill>
-            </a:endParaRPr>
-          </a:p>
-          <a:p>
-            <a:pPr marL="457200" indent="-457200">
-              <a:buFont typeface="Arial" panose="020B0604020202020204" pitchFamily="34" charset="0"/>
-              <a:buChar char="•"/>
-            </a:pPr>
-            <a:endParaRPr lang="en-US" sz="2800" dirty="0">
-              <a:solidFill>
-                <a:srgbClr val="660066"/>
-              </a:solidFill>
-            </a:endParaRPr>
-          </a:p>
-          <a:p>
-            <a:pPr marL="457200" indent="-457200">
-              <a:buFont typeface="Arial" panose="020B0604020202020204" pitchFamily="34" charset="0"/>
-              <a:buChar char="•"/>
-            </a:pPr>
+            <a:r>
+              <a:rPr lang="en-US" sz="2800" b="1" dirty="0">
+                <a:solidFill>
+                  <a:srgbClr val="660066"/>
+                </a:solidFill>
+              </a:rPr>
+              <a:t>Easily Solvable for Y: </a:t>
+            </a:r>
             <a:r>
               <a:rPr lang="en-US" sz="2800" dirty="0">
                 <a:solidFill>
                   <a:srgbClr val="660066"/>
                 </a:solidFill>
               </a:rPr>
-              <a:t>Saving Fitted Values and Residuals Into Dataset</a:t>
-            </a:r>
+              <a:t>Need to Get Predictions For Y</a:t>
+            </a:r>
+          </a:p>
+          <a:p>
+            <a:pPr marL="457200" indent="-457200">
+              <a:buFont typeface="Arial" panose="020B0604020202020204" pitchFamily="34" charset="0"/>
+              <a:buChar char="•"/>
+            </a:pPr>
+            <a:endParaRPr lang="en-US" sz="2800" b="1" dirty="0">
+              <a:solidFill>
+                <a:srgbClr val="660066"/>
+              </a:solidFill>
+            </a:endParaRPr>
+          </a:p>
+          <a:p>
+            <a:pPr marL="457200" indent="-457200">
+              <a:buFont typeface="Arial" panose="020B0604020202020204" pitchFamily="34" charset="0"/>
+              <a:buChar char="•"/>
+            </a:pPr>
+            <a:r>
+              <a:rPr lang="en-US" sz="2800" b="1" dirty="0">
+                <a:solidFill>
+                  <a:srgbClr val="660066"/>
+                </a:solidFill>
+              </a:rPr>
+              <a:t>Stronger Linear Pattern: </a:t>
+            </a:r>
+            <a:r>
+              <a:rPr lang="en-US" sz="2800" dirty="0">
+                <a:solidFill>
+                  <a:srgbClr val="660066"/>
+                </a:solidFill>
+              </a:rPr>
+              <a:t>Look at Scatterplots</a:t>
+            </a:r>
+            <a:endParaRPr lang="en-US" sz="2800" b="1" dirty="0">
+              <a:solidFill>
+                <a:srgbClr val="660066"/>
+              </a:solidFill>
+            </a:endParaRPr>
           </a:p>
           <a:p>
             <a:pPr lvl="1"/>
@@ -6145,88 +6606,71 @@
             </a:endParaRPr>
           </a:p>
           <a:p>
-            <a:endParaRPr lang="en-US" sz="2800" dirty="0">
+            <a:pPr marL="457200" indent="-457200">
+              <a:buFont typeface="Arial" panose="020B0604020202020204" pitchFamily="34" charset="0"/>
+              <a:buChar char="•"/>
+            </a:pPr>
+            <a:r>
+              <a:rPr lang="en-US" sz="2800" b="1" dirty="0">
+                <a:solidFill>
+                  <a:srgbClr val="660066"/>
+                </a:solidFill>
+              </a:rPr>
+              <a:t>Better Residuals: </a:t>
+            </a:r>
+            <a:r>
+              <a:rPr lang="en-US" sz="2800" dirty="0">
+                <a:solidFill>
+                  <a:srgbClr val="660066"/>
+                </a:solidFill>
+              </a:rPr>
+              <a:t>Look at Plots of Residuals</a:t>
+            </a:r>
+          </a:p>
+          <a:p>
+            <a:pPr marL="457200" indent="-457200">
+              <a:buFont typeface="Arial" panose="020B0604020202020204" pitchFamily="34" charset="0"/>
+              <a:buChar char="•"/>
+            </a:pPr>
+            <a:endParaRPr lang="en-US" sz="2800" b="1" dirty="0">
               <a:solidFill>
                 <a:srgbClr val="660066"/>
               </a:solidFill>
             </a:endParaRPr>
           </a:p>
-        </p:txBody>
-      </p:sp>
-      <p:pic>
-        <p:nvPicPr>
-          <p:cNvPr id="9" name="Picture 8">
-            <a:extLst>
-              <a:ext uri="{FF2B5EF4-FFF2-40B4-BE49-F238E27FC236}">
-                <a16:creationId xmlns:a16="http://schemas.microsoft.com/office/drawing/2014/main" id="{17DA3EB0-0F0F-FF05-A2B8-A144E67877EE}"/>
-              </a:ext>
-            </a:extLst>
-          </p:cNvPr>
-          <p:cNvPicPr>
-            <a:picLocks noChangeAspect="1"/>
-          </p:cNvPicPr>
-          <p:nvPr/>
-        </p:nvPicPr>
-        <p:blipFill>
-          <a:blip r:embed="rId3"/>
-          <a:stretch>
-            <a:fillRect/>
-          </a:stretch>
-        </p:blipFill>
-        <p:spPr>
-          <a:xfrm>
-            <a:off x="1219200" y="2971800"/>
-            <a:ext cx="2914996" cy="609600"/>
-          </a:xfrm>
-          <a:prstGeom prst="rect">
-            <a:avLst/>
-          </a:prstGeom>
-          <a:ln w="28575">
-            <a:solidFill>
-              <a:srgbClr val="660066"/>
-            </a:solidFill>
-          </a:ln>
-        </p:spPr>
-      </p:pic>
-      <p:pic>
-        <p:nvPicPr>
-          <p:cNvPr id="11" name="Picture 10">
-            <a:extLst>
-              <a:ext uri="{FF2B5EF4-FFF2-40B4-BE49-F238E27FC236}">
-                <a16:creationId xmlns:a16="http://schemas.microsoft.com/office/drawing/2014/main" id="{A8AE4AE5-62B2-0AA5-9DA2-94B291F7833F}"/>
-              </a:ext>
-            </a:extLst>
-          </p:cNvPr>
-          <p:cNvPicPr>
-            <a:picLocks noChangeAspect="1"/>
-          </p:cNvPicPr>
-          <p:nvPr/>
-        </p:nvPicPr>
-        <p:blipFill>
-          <a:blip r:embed="rId4"/>
-          <a:stretch>
-            <a:fillRect/>
-          </a:stretch>
-        </p:blipFill>
-        <p:spPr>
-          <a:xfrm>
-            <a:off x="1219200" y="4495800"/>
-            <a:ext cx="4452257" cy="609600"/>
-          </a:xfrm>
-          <a:prstGeom prst="rect">
-            <a:avLst/>
-          </a:prstGeom>
-          <a:ln w="28575">
-            <a:solidFill>
-              <a:srgbClr val="660066"/>
-            </a:solidFill>
-          </a:ln>
-        </p:spPr>
-      </p:pic>
+          <a:p>
+            <a:pPr marL="457200" indent="-457200">
+              <a:buFont typeface="Arial" panose="020B0604020202020204" pitchFamily="34" charset="0"/>
+              <a:buChar char="•"/>
+            </a:pPr>
+            <a:r>
+              <a:rPr lang="en-US" sz="2800" b="1" dirty="0">
+                <a:solidFill>
+                  <a:srgbClr val="660066"/>
+                </a:solidFill>
+              </a:rPr>
+              <a:t>Box-Cox Transformation: </a:t>
+            </a:r>
+            <a:r>
+              <a:rPr lang="en-US" sz="2800" dirty="0">
+                <a:solidFill>
+                  <a:srgbClr val="660066"/>
+                </a:solidFill>
+              </a:rPr>
+              <a:t>Helpful Method Not in Text</a:t>
+            </a:r>
+            <a:endParaRPr lang="en-US" sz="2800" b="1" dirty="0">
+              <a:solidFill>
+                <a:srgbClr val="660066"/>
+              </a:solidFill>
+            </a:endParaRPr>
+          </a:p>
+        </p:txBody>
+      </p:sp>
     </p:spTree>
     <p:extLst>
       <p:ext uri="{BB962C8B-B14F-4D97-AF65-F5344CB8AC3E}">
-        <p14:creationId xmlns:p14="http://schemas.microsoft.com/office/powerpoint/2010/main" val="1630018697"/>
+        <p14:creationId xmlns:p14="http://schemas.microsoft.com/office/powerpoint/2010/main" val="86478159"/>
       </p:ext>
     </p:extLst>
   </p:cSld>
@@ -6399,11 +6843,10 @@
                 <a:solidFill>
                   <a:srgbClr val="2D3A37"/>
                 </a:solidFill>
-                <a:effectLst/>
                 <a:latin typeface="Adobe Devanagari" panose="02040503050201020203" pitchFamily="18" charset="0"/>
                 <a:cs typeface="Adobe Devanagari" panose="02040503050201020203" pitchFamily="18" charset="0"/>
               </a:rPr>
-              <a:t>Residual Versus Fit Plot</a:t>
+              <a:t>Log Transformation</a:t>
             </a:r>
             <a:endParaRPr lang="en-US" sz="4800" dirty="0">
               <a:solidFill>
@@ -6413,188 +6856,472 @@
           </a:p>
         </p:txBody>
       </p:sp>
-      <p:sp>
-        <p:nvSpPr>
-          <p:cNvPr id="7" name="TextBox 6">
+      <mc:AlternateContent xmlns:mc="http://schemas.openxmlformats.org/markup-compatibility/2006">
+        <mc:Choice xmlns:a14="http://schemas.microsoft.com/office/drawing/2010/main" Requires="a14">
+          <p:sp>
+            <p:nvSpPr>
+              <p:cNvPr id="7" name="TextBox 6">
+                <a:extLst>
+                  <a:ext uri="{FF2B5EF4-FFF2-40B4-BE49-F238E27FC236}">
+                    <a16:creationId xmlns:a16="http://schemas.microsoft.com/office/drawing/2014/main" id="{D9B238EA-D04E-3255-7509-F990F1A8F309}"/>
+                  </a:ext>
+                </a:extLst>
+              </p:cNvPr>
+              <p:cNvSpPr txBox="1"/>
+              <p:nvPr/>
+            </p:nvSpPr>
+            <p:spPr>
+              <a:xfrm>
+                <a:off x="495300" y="1974467"/>
+                <a:ext cx="11201400" cy="4869418"/>
+              </a:xfrm>
+              <a:prstGeom prst="roundRect">
+                <a:avLst/>
+              </a:prstGeom>
+              <a:solidFill>
+                <a:schemeClr val="bg1"/>
+              </a:solidFill>
+              <a:ln w="76200">
+                <a:solidFill>
+                  <a:srgbClr val="FFC416"/>
+                </a:solidFill>
+              </a:ln>
+            </p:spPr>
+            <p:style>
+              <a:lnRef idx="2">
+                <a:schemeClr val="dk1"/>
+              </a:lnRef>
+              <a:fillRef idx="1">
+                <a:schemeClr val="lt1"/>
+              </a:fillRef>
+              <a:effectRef idx="0">
+                <a:schemeClr val="dk1"/>
+              </a:effectRef>
+              <a:fontRef idx="minor">
+                <a:schemeClr val="dk1"/>
+              </a:fontRef>
+            </p:style>
+            <p:txBody>
+              <a:bodyPr wrap="square" rtlCol="0">
+                <a:spAutoFit/>
+              </a:bodyPr>
+              <a:lstStyle/>
+              <a:p>
+                <a:pPr marL="457200" indent="-457200">
+                  <a:buFont typeface="Arial" panose="020B0604020202020204" pitchFamily="34" charset="0"/>
+                  <a:buChar char="•"/>
+                </a:pPr>
+                <a:r>
+                  <a:rPr lang="en-US" sz="2800" dirty="0">
+                    <a:solidFill>
+                      <a:srgbClr val="660066"/>
+                    </a:solidFill>
+                  </a:rPr>
+                  <a:t>Log Scales Seen in Science (Loudness, Earthquake, Acidity)</a:t>
+                </a:r>
+              </a:p>
+              <a:p>
+                <a:pPr marL="457200" indent="-457200">
+                  <a:buFont typeface="Arial" panose="020B0604020202020204" pitchFamily="34" charset="0"/>
+                  <a:buChar char="•"/>
+                </a:pPr>
+                <a:endParaRPr lang="en-US" sz="2800" dirty="0">
+                  <a:solidFill>
+                    <a:srgbClr val="660066"/>
+                  </a:solidFill>
+                </a:endParaRPr>
+              </a:p>
+              <a:p>
+                <a:pPr marL="457200" indent="-457200">
+                  <a:buFont typeface="Arial" panose="020B0604020202020204" pitchFamily="34" charset="0"/>
+                  <a:buChar char="•"/>
+                </a:pPr>
+                <a:r>
+                  <a:rPr lang="en-US" sz="2800" dirty="0">
+                    <a:solidFill>
+                      <a:srgbClr val="660066"/>
+                    </a:solidFill>
+                  </a:rPr>
+                  <a:t>Helpful With Converting Multiplicative to Additive</a:t>
+                </a:r>
+              </a:p>
+              <a:p>
+                <a:pPr marL="914400" lvl="1" indent="-457200">
+                  <a:buFont typeface="Arial" panose="020B0604020202020204" pitchFamily="34" charset="0"/>
+                  <a:buChar char="•"/>
+                </a:pPr>
+                <a:r>
+                  <a:rPr lang="en-US" sz="2800" b="0" dirty="0">
+                    <a:solidFill>
+                      <a:srgbClr val="660066"/>
+                    </a:solidFill>
+                  </a:rPr>
+                  <a:t>Rule: </a:t>
+                </a:r>
+                <a14:m>
+                  <m:oMath xmlns:m="http://schemas.openxmlformats.org/officeDocument/2006/math">
+                    <m:func>
+                      <m:funcPr>
+                        <m:ctrlPr>
+                          <a:rPr lang="en-US" sz="2800" b="0" i="1" smtClean="0">
+                            <a:solidFill>
+                              <a:srgbClr val="660066"/>
+                            </a:solidFill>
+                            <a:latin typeface="Cambria Math" panose="02040503050406030204" pitchFamily="18" charset="0"/>
+                          </a:rPr>
+                        </m:ctrlPr>
+                      </m:funcPr>
+                      <m:fName>
+                        <m:r>
+                          <m:rPr>
+                            <m:sty m:val="p"/>
+                          </m:rPr>
+                          <a:rPr lang="en-US" sz="2800" b="0" i="0" smtClean="0">
+                            <a:solidFill>
+                              <a:srgbClr val="660066"/>
+                            </a:solidFill>
+                            <a:latin typeface="Cambria Math" panose="02040503050406030204" pitchFamily="18" charset="0"/>
+                          </a:rPr>
+                          <m:t>log</m:t>
+                        </m:r>
+                      </m:fName>
+                      <m:e>
+                        <m:d>
+                          <m:dPr>
+                            <m:ctrlPr>
+                              <a:rPr lang="en-US" sz="2800" b="0" i="1" smtClean="0">
+                                <a:solidFill>
+                                  <a:srgbClr val="660066"/>
+                                </a:solidFill>
+                                <a:latin typeface="Cambria Math" panose="02040503050406030204" pitchFamily="18" charset="0"/>
+                              </a:rPr>
+                            </m:ctrlPr>
+                          </m:dPr>
+                          <m:e>
+                            <m:r>
+                              <a:rPr lang="en-US" sz="2800" b="0" i="1" smtClean="0">
+                                <a:solidFill>
+                                  <a:srgbClr val="660066"/>
+                                </a:solidFill>
+                                <a:latin typeface="Cambria Math" panose="02040503050406030204" pitchFamily="18" charset="0"/>
+                              </a:rPr>
+                              <m:t>𝑎𝑏</m:t>
+                            </m:r>
+                          </m:e>
+                        </m:d>
+                      </m:e>
+                    </m:func>
+                    <m:r>
+                      <a:rPr lang="en-US" sz="2800" b="0" i="1" smtClean="0">
+                        <a:solidFill>
+                          <a:srgbClr val="660066"/>
+                        </a:solidFill>
+                        <a:latin typeface="Cambria Math" panose="02040503050406030204" pitchFamily="18" charset="0"/>
+                      </a:rPr>
+                      <m:t>=</m:t>
+                    </m:r>
+                    <m:func>
+                      <m:funcPr>
+                        <m:ctrlPr>
+                          <a:rPr lang="en-US" sz="2800" b="0" i="1" smtClean="0">
+                            <a:solidFill>
+                              <a:srgbClr val="660066"/>
+                            </a:solidFill>
+                            <a:latin typeface="Cambria Math" panose="02040503050406030204" pitchFamily="18" charset="0"/>
+                          </a:rPr>
+                        </m:ctrlPr>
+                      </m:funcPr>
+                      <m:fName>
+                        <m:r>
+                          <m:rPr>
+                            <m:sty m:val="p"/>
+                          </m:rPr>
+                          <a:rPr lang="en-US" sz="2800" b="0" i="0" smtClean="0">
+                            <a:solidFill>
+                              <a:srgbClr val="660066"/>
+                            </a:solidFill>
+                            <a:latin typeface="Cambria Math" panose="02040503050406030204" pitchFamily="18" charset="0"/>
+                          </a:rPr>
+                          <m:t>log</m:t>
+                        </m:r>
+                      </m:fName>
+                      <m:e>
+                        <m:d>
+                          <m:dPr>
+                            <m:ctrlPr>
+                              <a:rPr lang="en-US" sz="2800" b="0" i="1" smtClean="0">
+                                <a:solidFill>
+                                  <a:srgbClr val="660066"/>
+                                </a:solidFill>
+                                <a:latin typeface="Cambria Math" panose="02040503050406030204" pitchFamily="18" charset="0"/>
+                              </a:rPr>
+                            </m:ctrlPr>
+                          </m:dPr>
+                          <m:e>
+                            <m:r>
+                              <a:rPr lang="en-US" sz="2800" b="0" i="1" smtClean="0">
+                                <a:solidFill>
+                                  <a:srgbClr val="660066"/>
+                                </a:solidFill>
+                                <a:latin typeface="Cambria Math" panose="02040503050406030204" pitchFamily="18" charset="0"/>
+                              </a:rPr>
+                              <m:t>𝑎</m:t>
+                            </m:r>
+                          </m:e>
+                        </m:d>
+                      </m:e>
+                    </m:func>
+                    <m:r>
+                      <a:rPr lang="en-US" sz="2800" b="0" i="1" smtClean="0">
+                        <a:solidFill>
+                          <a:srgbClr val="660066"/>
+                        </a:solidFill>
+                        <a:latin typeface="Cambria Math" panose="02040503050406030204" pitchFamily="18" charset="0"/>
+                      </a:rPr>
+                      <m:t>+</m:t>
+                    </m:r>
+                    <m:r>
+                      <m:rPr>
+                        <m:sty m:val="p"/>
+                      </m:rPr>
+                      <a:rPr lang="en-US" sz="2800" b="0" i="0" smtClean="0">
+                        <a:solidFill>
+                          <a:srgbClr val="660066"/>
+                        </a:solidFill>
+                        <a:latin typeface="Cambria Math" panose="02040503050406030204" pitchFamily="18" charset="0"/>
+                      </a:rPr>
+                      <m:t>log</m:t>
+                    </m:r>
+                    <m:r>
+                      <a:rPr lang="en-US" sz="2800" b="0" i="1" smtClean="0">
+                        <a:solidFill>
+                          <a:srgbClr val="660066"/>
+                        </a:solidFill>
+                        <a:latin typeface="Cambria Math" panose="02040503050406030204" pitchFamily="18" charset="0"/>
+                      </a:rPr>
+                      <m:t>⁡(</m:t>
+                    </m:r>
+                    <m:r>
+                      <a:rPr lang="en-US" sz="2800" b="0" i="1" smtClean="0">
+                        <a:solidFill>
+                          <a:srgbClr val="660066"/>
+                        </a:solidFill>
+                        <a:latin typeface="Cambria Math" panose="02040503050406030204" pitchFamily="18" charset="0"/>
+                      </a:rPr>
+                      <m:t>𝑏</m:t>
+                    </m:r>
+                    <m:r>
+                      <a:rPr lang="en-US" sz="2800" b="0" i="1" smtClean="0">
+                        <a:solidFill>
+                          <a:srgbClr val="660066"/>
+                        </a:solidFill>
+                        <a:latin typeface="Cambria Math" panose="02040503050406030204" pitchFamily="18" charset="0"/>
+                      </a:rPr>
+                      <m:t>)</m:t>
+                    </m:r>
+                  </m:oMath>
+                </a14:m>
+                <a:endParaRPr lang="en-US" sz="2800" dirty="0">
+                  <a:solidFill>
+                    <a:srgbClr val="660066"/>
+                  </a:solidFill>
+                </a:endParaRPr>
+              </a:p>
+              <a:p>
+                <a:pPr marL="457200" indent="-457200">
+                  <a:buFont typeface="Arial" panose="020B0604020202020204" pitchFamily="34" charset="0"/>
+                  <a:buChar char="•"/>
+                </a:pPr>
+                <a:endParaRPr lang="en-US" sz="2800" dirty="0">
+                  <a:solidFill>
+                    <a:srgbClr val="660066"/>
+                  </a:solidFill>
+                </a:endParaRPr>
+              </a:p>
+              <a:p>
+                <a:pPr marL="457200" indent="-457200">
+                  <a:buFont typeface="Arial" panose="020B0604020202020204" pitchFamily="34" charset="0"/>
+                  <a:buChar char="•"/>
+                </a:pPr>
+                <a:endParaRPr lang="en-US" sz="2800" dirty="0">
+                  <a:solidFill>
+                    <a:srgbClr val="660066"/>
+                  </a:solidFill>
+                </a:endParaRPr>
+              </a:p>
+              <a:p>
+                <a:pPr marL="457200" indent="-457200">
+                  <a:buFont typeface="Arial" panose="020B0604020202020204" pitchFamily="34" charset="0"/>
+                  <a:buChar char="•"/>
+                </a:pPr>
+                <a:r>
+                  <a:rPr lang="en-US" sz="2800" dirty="0">
+                    <a:solidFill>
+                      <a:srgbClr val="660066"/>
+                    </a:solidFill>
+                  </a:rPr>
+                  <a:t>Helpful With Converting Scales</a:t>
+                </a:r>
+              </a:p>
+              <a:p>
+                <a:pPr marL="914400" lvl="1" indent="-457200">
+                  <a:buFont typeface="Arial" panose="020B0604020202020204" pitchFamily="34" charset="0"/>
+                  <a:buChar char="•"/>
+                </a:pPr>
+                <a:r>
+                  <a:rPr lang="en-US" sz="2800" dirty="0">
+                    <a:solidFill>
+                      <a:srgbClr val="660066"/>
+                    </a:solidFill>
+                  </a:rPr>
+                  <a:t>Income is Always Positive (Linear Regression Appropriate?)</a:t>
+                </a:r>
+              </a:p>
+              <a:p>
+                <a:pPr marL="914400" lvl="1" indent="-457200">
+                  <a:buFont typeface="Arial" panose="020B0604020202020204" pitchFamily="34" charset="0"/>
+                  <a:buChar char="•"/>
+                </a:pPr>
+                <a:endParaRPr lang="en-US" sz="2800" dirty="0">
+                  <a:solidFill>
+                    <a:srgbClr val="660066"/>
+                  </a:solidFill>
+                </a:endParaRPr>
+              </a:p>
+              <a:p>
+                <a:pPr marL="457200" indent="-457200">
+                  <a:buFont typeface="Arial" panose="020B0604020202020204" pitchFamily="34" charset="0"/>
+                  <a:buChar char="•"/>
+                </a:pPr>
+                <a:r>
+                  <a:rPr lang="en-US" sz="2800" dirty="0">
+                    <a:solidFill>
+                      <a:srgbClr val="660066"/>
+                    </a:solidFill>
+                  </a:rPr>
+                  <a:t>Default in Statistics: Natural Log (Base </a:t>
+                </a:r>
+                <a:r>
+                  <a:rPr lang="en-US" sz="2800" i="1" dirty="0">
+                    <a:solidFill>
+                      <a:srgbClr val="660066"/>
+                    </a:solidFill>
+                  </a:rPr>
+                  <a:t>e</a:t>
+                </a:r>
+                <a:r>
+                  <a:rPr lang="en-US" sz="2800" dirty="0">
+                    <a:solidFill>
+                      <a:srgbClr val="660066"/>
+                    </a:solidFill>
+                  </a:rPr>
+                  <a:t>)</a:t>
+                </a:r>
+              </a:p>
+            </p:txBody>
+          </p:sp>
+        </mc:Choice>
+        <mc:Fallback>
+          <p:sp>
+            <p:nvSpPr>
+              <p:cNvPr id="7" name="TextBox 6">
+                <a:extLst>
+                  <a:ext uri="{FF2B5EF4-FFF2-40B4-BE49-F238E27FC236}">
+                    <a16:creationId xmlns:a16="http://schemas.microsoft.com/office/drawing/2014/main" id="{D9B238EA-D04E-3255-7509-F990F1A8F309}"/>
+                  </a:ext>
+                </a:extLst>
+              </p:cNvPr>
+              <p:cNvSpPr txBox="1">
+                <a:spLocks noRot="1" noChangeAspect="1" noMove="1" noResize="1" noEditPoints="1" noAdjustHandles="1" noChangeArrowheads="1" noChangeShapeType="1" noTextEdit="1"/>
+              </p:cNvSpPr>
+              <p:nvPr/>
+            </p:nvSpPr>
+            <p:spPr>
+              <a:xfrm>
+                <a:off x="495300" y="1974467"/>
+                <a:ext cx="11201400" cy="4869418"/>
+              </a:xfrm>
+              <a:prstGeom prst="roundRect">
+                <a:avLst/>
+              </a:prstGeom>
+              <a:blipFill>
+                <a:blip r:embed="rId3"/>
+                <a:stretch>
+                  <a:fillRect/>
+                </a:stretch>
+              </a:blipFill>
+              <a:ln w="76200">
+                <a:solidFill>
+                  <a:srgbClr val="FFC416"/>
+                </a:solidFill>
+              </a:ln>
+            </p:spPr>
+            <p:txBody>
+              <a:bodyPr/>
+              <a:lstStyle/>
+              <a:p>
+                <a:r>
+                  <a:rPr lang="en-US">
+                    <a:noFill/>
+                  </a:rPr>
+                  <a:t> </a:t>
+                </a:r>
+              </a:p>
+            </p:txBody>
+          </p:sp>
+        </mc:Fallback>
+      </mc:AlternateContent>
+      <p:pic>
+        <p:nvPicPr>
+          <p:cNvPr id="1026" name="Picture 2" descr="Natural Logarithm -- from Wolfram MathWorld">
             <a:extLst>
               <a:ext uri="{FF2B5EF4-FFF2-40B4-BE49-F238E27FC236}">
-                <a16:creationId xmlns:a16="http://schemas.microsoft.com/office/drawing/2014/main" id="{D9B238EA-D04E-3255-7509-F990F1A8F309}"/>
+                <a16:creationId xmlns:a16="http://schemas.microsoft.com/office/drawing/2014/main" id="{A963C0A7-8F3F-169B-39C5-93CD9AC17CCE}"/>
               </a:ext>
             </a:extLst>
           </p:cNvPr>
-          <p:cNvSpPr txBox="1"/>
+          <p:cNvPicPr>
+            <a:picLocks noChangeAspect="1" noChangeArrowheads="1"/>
+          </p:cNvPicPr>
           <p:nvPr/>
-        </p:nvSpPr>
-        <p:spPr>
+        </p:nvPicPr>
+        <p:blipFill>
+          <a:blip r:embed="rId4">
+            <a:extLst>
+              <a:ext uri="{28A0092B-C50C-407E-A947-70E740481C1C}">
+                <a14:useLocalDpi xmlns:a14="http://schemas.microsoft.com/office/drawing/2010/main" val="0"/>
+              </a:ext>
+            </a:extLst>
+          </a:blip>
+          <a:srcRect/>
+          <a:stretch>
+            <a:fillRect/>
+          </a:stretch>
+        </p:blipFill>
+        <p:spPr bwMode="auto">
           <a:xfrm>
-            <a:off x="495300" y="1974467"/>
-            <a:ext cx="11201400" cy="4392692"/>
+            <a:off x="8382000" y="3180213"/>
+            <a:ext cx="3208768" cy="1981200"/>
           </a:xfrm>
-          <a:prstGeom prst="roundRect">
+          <a:prstGeom prst="rect">
             <a:avLst/>
           </a:prstGeom>
-          <a:solidFill>
-            <a:schemeClr val="bg1"/>
-          </a:solidFill>
-          <a:ln w="76200">
-            <a:solidFill>
-              <a:srgbClr val="FFC416"/>
-            </a:solidFill>
-          </a:ln>
+          <a:noFill/>
+          <a:extLst>
+            <a:ext uri="{909E8E84-426E-40DD-AFC4-6F175D3DCCD1}">
+              <a14:hiddenFill xmlns:a14="http://schemas.microsoft.com/office/drawing/2010/main">
+                <a:solidFill>
+                  <a:srgbClr val="FFFFFF"/>
+                </a:solidFill>
+              </a14:hiddenFill>
+            </a:ext>
+          </a:extLst>
         </p:spPr>
-        <p:style>
-          <a:lnRef idx="2">
-            <a:schemeClr val="dk1"/>
-          </a:lnRef>
-          <a:fillRef idx="1">
-            <a:schemeClr val="lt1"/>
-          </a:fillRef>
-          <a:effectRef idx="0">
-            <a:schemeClr val="dk1"/>
-          </a:effectRef>
-          <a:fontRef idx="minor">
-            <a:schemeClr val="dk1"/>
-          </a:fontRef>
-        </p:style>
-        <p:txBody>
-          <a:bodyPr wrap="square" rtlCol="0">
-            <a:spAutoFit/>
-          </a:bodyPr>
-          <a:lstStyle/>
-          <a:p>
-            <a:pPr marL="457200" indent="-457200">
-              <a:buFont typeface="Arial" panose="020B0604020202020204" pitchFamily="34" charset="0"/>
-              <a:buChar char="•"/>
-            </a:pPr>
-            <a:r>
-              <a:rPr lang="en-US" sz="2800" dirty="0">
-                <a:solidFill>
-                  <a:srgbClr val="660066"/>
-                </a:solidFill>
-              </a:rPr>
-              <a:t>Ideal:</a:t>
-            </a:r>
-          </a:p>
-          <a:p>
-            <a:pPr marL="914400" lvl="1" indent="-457200">
-              <a:buFont typeface="Arial" panose="020B0604020202020204" pitchFamily="34" charset="0"/>
-              <a:buChar char="•"/>
-            </a:pPr>
-            <a:r>
-              <a:rPr lang="en-US" sz="2800" dirty="0">
-                <a:solidFill>
-                  <a:srgbClr val="660066"/>
-                </a:solidFill>
-              </a:rPr>
-              <a:t>Randomly Distributed Around 0 (Independence and Bias)</a:t>
-            </a:r>
-          </a:p>
-          <a:p>
-            <a:pPr marL="914400" lvl="1" indent="-457200">
-              <a:buFont typeface="Arial" panose="020B0604020202020204" pitchFamily="34" charset="0"/>
-              <a:buChar char="•"/>
-            </a:pPr>
-            <a:r>
-              <a:rPr lang="en-US" sz="2800" dirty="0">
-                <a:solidFill>
-                  <a:srgbClr val="660066"/>
-                </a:solidFill>
-              </a:rPr>
-              <a:t>No Visible Patterns (Fit of Linear Model)</a:t>
-            </a:r>
-          </a:p>
-          <a:p>
-            <a:pPr marL="914400" lvl="1" indent="-457200">
-              <a:buFont typeface="Arial" panose="020B0604020202020204" pitchFamily="34" charset="0"/>
-              <a:buChar char="•"/>
-            </a:pPr>
-            <a:r>
-              <a:rPr lang="en-US" sz="2800" dirty="0">
-                <a:solidFill>
-                  <a:srgbClr val="660066"/>
-                </a:solidFill>
-              </a:rPr>
-              <a:t>Constant Variance (Heteroscedasticity or Homoscedasticity)</a:t>
-            </a:r>
-          </a:p>
-          <a:p>
-            <a:pPr marL="914400" lvl="1" indent="-457200">
-              <a:buFont typeface="Arial" panose="020B0604020202020204" pitchFamily="34" charset="0"/>
-              <a:buChar char="•"/>
-            </a:pPr>
-            <a:r>
-              <a:rPr lang="en-US" sz="2800" dirty="0">
-                <a:solidFill>
-                  <a:srgbClr val="660066"/>
-                </a:solidFill>
-              </a:rPr>
-              <a:t>Close to Zero (Good or Bad Fit)</a:t>
-            </a:r>
-          </a:p>
-          <a:p>
-            <a:pPr marL="914400" lvl="1" indent="-457200">
-              <a:buFont typeface="Arial" panose="020B0604020202020204" pitchFamily="34" charset="0"/>
-              <a:buChar char="•"/>
-            </a:pPr>
-            <a:endParaRPr lang="en-US" sz="2800" dirty="0">
-              <a:solidFill>
-                <a:srgbClr val="660066"/>
-              </a:solidFill>
-            </a:endParaRPr>
-          </a:p>
-          <a:p>
-            <a:pPr marL="457200" indent="-457200">
-              <a:buFont typeface="Arial" panose="020B0604020202020204" pitchFamily="34" charset="0"/>
-              <a:buChar char="•"/>
-            </a:pPr>
-            <a:r>
-              <a:rPr lang="en-US" sz="2800" dirty="0">
-                <a:solidFill>
-                  <a:srgbClr val="660066"/>
-                </a:solidFill>
-              </a:rPr>
-              <a:t>Observe Plots in Supplement for Lecture 5</a:t>
-            </a:r>
-          </a:p>
-          <a:p>
-            <a:pPr marL="457200" indent="-457200">
-              <a:buFont typeface="Arial" panose="020B0604020202020204" pitchFamily="34" charset="0"/>
-              <a:buChar char="•"/>
-            </a:pPr>
-            <a:endParaRPr lang="en-US" sz="2800" dirty="0">
-              <a:solidFill>
-                <a:srgbClr val="660066"/>
-              </a:solidFill>
-            </a:endParaRPr>
-          </a:p>
-          <a:p>
-            <a:pPr marL="457200" indent="-457200">
-              <a:buFont typeface="Arial" panose="020B0604020202020204" pitchFamily="34" charset="0"/>
-              <a:buChar char="•"/>
-            </a:pPr>
-            <a:r>
-              <a:rPr lang="en-US" sz="2800" dirty="0">
-                <a:solidFill>
-                  <a:srgbClr val="660066"/>
-                </a:solidFill>
-              </a:rPr>
-              <a:t>Remember: </a:t>
-            </a:r>
-            <a:r>
-              <a:rPr lang="en-US" sz="2800" b="1" i="1" dirty="0">
-                <a:solidFill>
-                  <a:srgbClr val="660066"/>
-                </a:solidFill>
-              </a:rPr>
-              <a:t>Positive Residual = Under Prediction</a:t>
-            </a:r>
-          </a:p>
-        </p:txBody>
-      </p:sp>
+      </p:pic>
     </p:spTree>
     <p:extLst>
       <p:ext uri="{BB962C8B-B14F-4D97-AF65-F5344CB8AC3E}">
-        <p14:creationId xmlns:p14="http://schemas.microsoft.com/office/powerpoint/2010/main" val="3024934863"/>
+        <p14:creationId xmlns:p14="http://schemas.microsoft.com/office/powerpoint/2010/main" val="3650149327"/>
       </p:ext>
     </p:extLst>
   </p:cSld>
@@ -6767,11 +7494,10 @@
                 <a:solidFill>
                   <a:srgbClr val="2D3A37"/>
                 </a:solidFill>
-                <a:effectLst/>
                 <a:latin typeface="Adobe Devanagari" panose="02040503050201020203" pitchFamily="18" charset="0"/>
                 <a:cs typeface="Adobe Devanagari" panose="02040503050201020203" pitchFamily="18" charset="0"/>
               </a:rPr>
-              <a:t>Residual Versus Order</a:t>
+              <a:t>Log Transformation</a:t>
             </a:r>
             <a:endParaRPr lang="en-US" sz="4800" dirty="0">
               <a:solidFill>
@@ -6781,476 +7507,1005 @@
           </a:p>
         </p:txBody>
       </p:sp>
-      <p:sp>
-        <p:nvSpPr>
-          <p:cNvPr id="7" name="TextBox 6">
-            <a:extLst>
-              <a:ext uri="{FF2B5EF4-FFF2-40B4-BE49-F238E27FC236}">
-                <a16:creationId xmlns:a16="http://schemas.microsoft.com/office/drawing/2014/main" id="{D9B238EA-D04E-3255-7509-F990F1A8F309}"/>
-              </a:ext>
-            </a:extLst>
-          </p:cNvPr>
-          <p:cNvSpPr txBox="1"/>
-          <p:nvPr/>
-        </p:nvSpPr>
-        <p:spPr>
-          <a:xfrm>
-            <a:off x="495300" y="1974467"/>
-            <a:ext cx="11201400" cy="3915966"/>
-          </a:xfrm>
-          <a:prstGeom prst="roundRect">
-            <a:avLst/>
-          </a:prstGeom>
-          <a:solidFill>
-            <a:schemeClr val="bg1"/>
-          </a:solidFill>
-          <a:ln w="76200">
-            <a:solidFill>
-              <a:srgbClr val="FFC416"/>
-            </a:solidFill>
-          </a:ln>
-        </p:spPr>
-        <p:style>
-          <a:lnRef idx="2">
-            <a:schemeClr val="dk1"/>
-          </a:lnRef>
-          <a:fillRef idx="1">
-            <a:schemeClr val="lt1"/>
-          </a:fillRef>
-          <a:effectRef idx="0">
-            <a:schemeClr val="dk1"/>
-          </a:effectRef>
-          <a:fontRef idx="minor">
-            <a:schemeClr val="dk1"/>
-          </a:fontRef>
-        </p:style>
-        <p:txBody>
-          <a:bodyPr wrap="square" rtlCol="0">
-            <a:spAutoFit/>
-          </a:bodyPr>
-          <a:lstStyle/>
-          <a:p>
-            <a:pPr marL="457200" indent="-457200">
-              <a:buFont typeface="Arial" panose="020B0604020202020204" pitchFamily="34" charset="0"/>
-              <a:buChar char="•"/>
-            </a:pPr>
-            <a:r>
-              <a:rPr lang="en-US" sz="2800" dirty="0">
+      <mc:AlternateContent xmlns:mc="http://schemas.openxmlformats.org/markup-compatibility/2006">
+        <mc:Choice xmlns:a14="http://schemas.microsoft.com/office/drawing/2010/main" Requires="a14">
+          <p:sp>
+            <p:nvSpPr>
+              <p:cNvPr id="7" name="TextBox 6">
+                <a:extLst>
+                  <a:ext uri="{FF2B5EF4-FFF2-40B4-BE49-F238E27FC236}">
+                    <a16:creationId xmlns:a16="http://schemas.microsoft.com/office/drawing/2014/main" id="{D9B238EA-D04E-3255-7509-F990F1A8F309}"/>
+                  </a:ext>
+                </a:extLst>
+              </p:cNvPr>
+              <p:cNvSpPr txBox="1"/>
+              <p:nvPr/>
+            </p:nvSpPr>
+            <p:spPr>
+              <a:xfrm>
+                <a:off x="495300" y="1974467"/>
+                <a:ext cx="11201400" cy="4995765"/>
+              </a:xfrm>
+              <a:prstGeom prst="roundRect">
+                <a:avLst/>
+              </a:prstGeom>
+              <a:solidFill>
+                <a:schemeClr val="bg1"/>
+              </a:solidFill>
+              <a:ln w="76200">
                 <a:solidFill>
-                  <a:srgbClr val="660066"/>
+                  <a:srgbClr val="FFC416"/>
                 </a:solidFill>
-              </a:rPr>
-              <a:t>Only Appropriate if the We Know the Chronological Order of Data</a:t>
-            </a:r>
-          </a:p>
-          <a:p>
-            <a:pPr marL="457200" indent="-457200">
-              <a:buFont typeface="Arial" panose="020B0604020202020204" pitchFamily="34" charset="0"/>
-              <a:buChar char="•"/>
-            </a:pPr>
-            <a:endParaRPr lang="en-US" sz="2800" dirty="0">
-              <a:solidFill>
-                <a:srgbClr val="660066"/>
-              </a:solidFill>
-            </a:endParaRPr>
-          </a:p>
-          <a:p>
-            <a:pPr marL="457200" indent="-457200">
-              <a:buFont typeface="Arial" panose="020B0604020202020204" pitchFamily="34" charset="0"/>
-              <a:buChar char="•"/>
-            </a:pPr>
-            <a:r>
-              <a:rPr lang="en-US" sz="2800" dirty="0">
+              </a:ln>
+            </p:spPr>
+            <p:style>
+              <a:lnRef idx="2">
+                <a:schemeClr val="dk1"/>
+              </a:lnRef>
+              <a:fillRef idx="1">
+                <a:schemeClr val="lt1"/>
+              </a:fillRef>
+              <a:effectRef idx="0">
+                <a:schemeClr val="dk1"/>
+              </a:effectRef>
+              <a:fontRef idx="minor">
+                <a:schemeClr val="dk1"/>
+              </a:fontRef>
+            </p:style>
+            <p:txBody>
+              <a:bodyPr wrap="square" rtlCol="0">
+                <a:spAutoFit/>
+              </a:bodyPr>
+              <a:lstStyle/>
+              <a:p>
+                <a:pPr marL="457200" indent="-457200">
+                  <a:buFont typeface="Arial" panose="020B0604020202020204" pitchFamily="34" charset="0"/>
+                  <a:buChar char="•"/>
+                </a:pPr>
+                <a:r>
+                  <a:rPr lang="en-US" sz="2800" dirty="0">
+                    <a:solidFill>
+                      <a:srgbClr val="660066"/>
+                    </a:solidFill>
+                  </a:rPr>
+                  <a:t>Signs a Log Transformation Might Be Useful (For </a:t>
+                </a:r>
+                <a:r>
+                  <a:rPr lang="en-US" sz="2800" i="1" dirty="0">
+                    <a:solidFill>
+                      <a:srgbClr val="660066"/>
+                    </a:solidFill>
+                  </a:rPr>
+                  <a:t>Y </a:t>
+                </a:r>
+                <a:r>
+                  <a:rPr lang="en-US" sz="2800" dirty="0">
+                    <a:solidFill>
+                      <a:srgbClr val="660066"/>
+                    </a:solidFill>
+                  </a:rPr>
+                  <a:t>or</a:t>
+                </a:r>
+                <a:r>
+                  <a:rPr lang="en-US" sz="2800" i="1" dirty="0">
+                    <a:solidFill>
+                      <a:srgbClr val="660066"/>
+                    </a:solidFill>
+                  </a:rPr>
+                  <a:t> X</a:t>
+                </a:r>
+                <a:r>
+                  <a:rPr lang="en-US" sz="2800" dirty="0">
+                    <a:solidFill>
+                      <a:srgbClr val="660066"/>
+                    </a:solidFill>
+                  </a:rPr>
+                  <a:t>)</a:t>
+                </a:r>
+              </a:p>
+              <a:p>
+                <a:pPr marL="914400" lvl="1" indent="-457200">
+                  <a:buFont typeface="Arial" panose="020B0604020202020204" pitchFamily="34" charset="0"/>
+                  <a:buChar char="•"/>
+                </a:pPr>
+                <a:r>
+                  <a:rPr lang="en-US" sz="2800" dirty="0">
+                    <a:solidFill>
+                      <a:srgbClr val="660066"/>
+                    </a:solidFill>
+                  </a:rPr>
+                  <a:t>Variables are Highly Right Skewed</a:t>
+                </a:r>
+              </a:p>
+              <a:p>
+                <a:pPr marL="914400" lvl="1" indent="-457200">
+                  <a:buFont typeface="Arial" panose="020B0604020202020204" pitchFamily="34" charset="0"/>
+                  <a:buChar char="•"/>
+                </a:pPr>
+                <a:r>
+                  <a:rPr lang="en-US" sz="2800" dirty="0">
+                    <a:solidFill>
+                      <a:srgbClr val="660066"/>
+                    </a:solidFill>
+                  </a:rPr>
+                  <a:t>Values Range Over 2 or More Orders of Magnitude                     (Need Reference Value: Common is </a:t>
+                </a:r>
+                <a14:m>
+                  <m:oMath xmlns:m="http://schemas.openxmlformats.org/officeDocument/2006/math">
+                    <m:sSup>
+                      <m:sSupPr>
+                        <m:ctrlPr>
+                          <a:rPr lang="en-US" sz="2800" b="0" i="1" smtClean="0">
+                            <a:solidFill>
+                              <a:srgbClr val="660066"/>
+                            </a:solidFill>
+                            <a:latin typeface="Cambria Math" panose="02040503050406030204" pitchFamily="18" charset="0"/>
+                          </a:rPr>
+                        </m:ctrlPr>
+                      </m:sSupPr>
+                      <m:e>
+                        <m:r>
+                          <a:rPr lang="en-US" sz="2800" b="0" i="1" smtClean="0">
+                            <a:solidFill>
+                              <a:srgbClr val="660066"/>
+                            </a:solidFill>
+                            <a:latin typeface="Cambria Math" panose="02040503050406030204" pitchFamily="18" charset="0"/>
+                          </a:rPr>
+                          <m:t>10</m:t>
+                        </m:r>
+                      </m:e>
+                      <m:sup>
+                        <m:r>
+                          <a:rPr lang="en-US" sz="2800" b="0" i="1" smtClean="0">
+                            <a:solidFill>
+                              <a:srgbClr val="660066"/>
+                            </a:solidFill>
+                            <a:latin typeface="Cambria Math" panose="02040503050406030204" pitchFamily="18" charset="0"/>
+                          </a:rPr>
+                          <m:t>𝑘</m:t>
+                        </m:r>
+                      </m:sup>
+                    </m:sSup>
+                  </m:oMath>
+                </a14:m>
+                <a:r>
+                  <a:rPr lang="en-US" sz="2800" dirty="0">
+                    <a:solidFill>
+                      <a:srgbClr val="660066"/>
+                    </a:solidFill>
+                  </a:rPr>
+                  <a:t>)</a:t>
+                </a:r>
+              </a:p>
+              <a:p>
+                <a:pPr marL="914400" lvl="1" indent="-457200">
+                  <a:buFont typeface="Arial" panose="020B0604020202020204" pitchFamily="34" charset="0"/>
+                  <a:buChar char="•"/>
+                </a:pPr>
+                <a:r>
+                  <a:rPr lang="en-US" sz="2800" dirty="0">
+                    <a:solidFill>
+                      <a:srgbClr val="660066"/>
+                    </a:solidFill>
+                  </a:rPr>
+                  <a:t>Scatterplot Shows Logarithmic Growth</a:t>
+                </a:r>
+              </a:p>
+              <a:p>
+                <a:pPr marL="914400" lvl="1" indent="-457200">
+                  <a:buFont typeface="Arial" panose="020B0604020202020204" pitchFamily="34" charset="0"/>
+                  <a:buChar char="•"/>
+                </a:pPr>
+                <a:r>
+                  <a:rPr lang="en-US" sz="2800" dirty="0">
+                    <a:solidFill>
+                      <a:srgbClr val="660066"/>
+                    </a:solidFill>
+                  </a:rPr>
+                  <a:t>Plot of Residuals Show “Fanning Out” or “Megaphone”</a:t>
+                </a:r>
+              </a:p>
+              <a:p>
+                <a:pPr marL="914400" lvl="1" indent="-457200">
+                  <a:buFont typeface="Arial" panose="020B0604020202020204" pitchFamily="34" charset="0"/>
+                  <a:buChar char="•"/>
+                </a:pPr>
+                <a:r>
+                  <a:rPr lang="en-US" sz="2800" dirty="0">
+                    <a:solidFill>
+                      <a:srgbClr val="660066"/>
+                    </a:solidFill>
+                  </a:rPr>
+                  <a:t>Multiplicative or Proportional Relationships are Reasonable</a:t>
+                </a:r>
+              </a:p>
+              <a:p>
+                <a:pPr marL="457200" indent="-457200">
+                  <a:buFont typeface="Arial" panose="020B0604020202020204" pitchFamily="34" charset="0"/>
+                  <a:buChar char="•"/>
+                </a:pPr>
+                <a:endParaRPr lang="en-US" sz="2800" dirty="0">
+                  <a:solidFill>
+                    <a:srgbClr val="660066"/>
+                  </a:solidFill>
+                </a:endParaRPr>
+              </a:p>
+              <a:p>
+                <a:pPr marL="457200" indent="-457200">
+                  <a:buFont typeface="Arial" panose="020B0604020202020204" pitchFamily="34" charset="0"/>
+                  <a:buChar char="•"/>
+                </a:pPr>
+                <a:r>
+                  <a:rPr lang="en-US" sz="2800" dirty="0">
+                    <a:solidFill>
+                      <a:srgbClr val="660066"/>
+                    </a:solidFill>
+                  </a:rPr>
+                  <a:t>Easily Solvable: </a:t>
+                </a:r>
+                <a14:m>
+                  <m:oMath xmlns:m="http://schemas.openxmlformats.org/officeDocument/2006/math">
+                    <m:sSup>
+                      <m:sSupPr>
+                        <m:ctrlPr>
+                          <a:rPr lang="en-US" sz="2800" b="0" i="1" smtClean="0">
+                            <a:solidFill>
+                              <a:srgbClr val="660066"/>
+                            </a:solidFill>
+                            <a:latin typeface="Cambria Math" panose="02040503050406030204" pitchFamily="18" charset="0"/>
+                          </a:rPr>
+                        </m:ctrlPr>
+                      </m:sSupPr>
+                      <m:e>
+                        <m:r>
+                          <a:rPr lang="en-US" sz="2800" b="0" i="1" smtClean="0">
+                            <a:solidFill>
+                              <a:srgbClr val="660066"/>
+                            </a:solidFill>
+                            <a:latin typeface="Cambria Math" panose="02040503050406030204" pitchFamily="18" charset="0"/>
+                          </a:rPr>
+                          <m:t>𝑌</m:t>
+                        </m:r>
+                      </m:e>
+                      <m:sup>
+                        <m:r>
+                          <a:rPr lang="en-US" sz="2800" b="0" i="1" smtClean="0">
+                            <a:solidFill>
+                              <a:srgbClr val="660066"/>
+                            </a:solidFill>
+                            <a:latin typeface="Cambria Math" panose="02040503050406030204" pitchFamily="18" charset="0"/>
+                          </a:rPr>
+                          <m:t>′</m:t>
+                        </m:r>
+                      </m:sup>
+                    </m:sSup>
+                    <m:r>
+                      <a:rPr lang="en-US" sz="2800" b="0" i="1" smtClean="0">
+                        <a:solidFill>
+                          <a:srgbClr val="660066"/>
+                        </a:solidFill>
+                        <a:latin typeface="Cambria Math" panose="02040503050406030204" pitchFamily="18" charset="0"/>
+                      </a:rPr>
+                      <m:t>=</m:t>
+                    </m:r>
+                    <m:r>
+                      <m:rPr>
+                        <m:sty m:val="p"/>
+                      </m:rPr>
+                      <a:rPr lang="en-US" sz="2800" b="0" i="0" smtClean="0">
+                        <a:solidFill>
+                          <a:srgbClr val="660066"/>
+                        </a:solidFill>
+                        <a:latin typeface="Cambria Math" panose="02040503050406030204" pitchFamily="18" charset="0"/>
+                      </a:rPr>
+                      <m:t>log</m:t>
+                    </m:r>
+                    <m:r>
+                      <a:rPr lang="en-US" sz="2800" b="0" i="1" smtClean="0">
+                        <a:solidFill>
+                          <a:srgbClr val="660066"/>
+                        </a:solidFill>
+                        <a:latin typeface="Cambria Math" panose="02040503050406030204" pitchFamily="18" charset="0"/>
+                      </a:rPr>
+                      <m:t>⁡(</m:t>
+                    </m:r>
+                    <m:r>
+                      <a:rPr lang="en-US" sz="2800" b="0" i="1" smtClean="0">
+                        <a:solidFill>
+                          <a:srgbClr val="660066"/>
+                        </a:solidFill>
+                        <a:latin typeface="Cambria Math" panose="02040503050406030204" pitchFamily="18" charset="0"/>
+                      </a:rPr>
+                      <m:t>𝑌</m:t>
+                    </m:r>
+                    <m:r>
+                      <a:rPr lang="en-US" sz="2800" b="0" i="1" smtClean="0">
+                        <a:solidFill>
+                          <a:srgbClr val="660066"/>
+                        </a:solidFill>
+                        <a:latin typeface="Cambria Math" panose="02040503050406030204" pitchFamily="18" charset="0"/>
+                      </a:rPr>
+                      <m:t>)</m:t>
+                    </m:r>
+                  </m:oMath>
+                </a14:m>
+                <a:r>
+                  <a:rPr lang="en-US" sz="2800" dirty="0">
+                    <a:solidFill>
+                      <a:srgbClr val="660066"/>
+                    </a:solidFill>
+                  </a:rPr>
+                  <a:t> and </a:t>
+                </a:r>
+                <a14:m>
+                  <m:oMath xmlns:m="http://schemas.openxmlformats.org/officeDocument/2006/math">
+                    <m:sSup>
+                      <m:sSupPr>
+                        <m:ctrlPr>
+                          <a:rPr lang="en-US" sz="2800" i="1">
+                            <a:solidFill>
+                              <a:srgbClr val="660066"/>
+                            </a:solidFill>
+                            <a:latin typeface="Cambria Math" panose="02040503050406030204" pitchFamily="18" charset="0"/>
+                          </a:rPr>
+                        </m:ctrlPr>
+                      </m:sSupPr>
+                      <m:e>
+                        <m:r>
+                          <a:rPr lang="en-US" sz="2800" i="1">
+                            <a:solidFill>
+                              <a:srgbClr val="660066"/>
+                            </a:solidFill>
+                            <a:latin typeface="Cambria Math" panose="02040503050406030204" pitchFamily="18" charset="0"/>
+                          </a:rPr>
+                          <m:t>𝑌</m:t>
+                        </m:r>
+                      </m:e>
+                      <m:sup>
+                        <m:r>
+                          <a:rPr lang="en-US" sz="2800" i="1">
+                            <a:solidFill>
+                              <a:srgbClr val="660066"/>
+                            </a:solidFill>
+                            <a:latin typeface="Cambria Math" panose="02040503050406030204" pitchFamily="18" charset="0"/>
+                          </a:rPr>
+                          <m:t>′</m:t>
+                        </m:r>
+                      </m:sup>
+                    </m:sSup>
+                    <m:r>
+                      <a:rPr lang="en-US" sz="2800" i="1">
+                        <a:solidFill>
+                          <a:srgbClr val="660066"/>
+                        </a:solidFill>
+                        <a:latin typeface="Cambria Math" panose="02040503050406030204" pitchFamily="18" charset="0"/>
+                      </a:rPr>
+                      <m:t>=</m:t>
+                    </m:r>
+                    <m:sSub>
+                      <m:sSubPr>
+                        <m:ctrlPr>
+                          <a:rPr lang="en-US" sz="2800" i="1">
+                            <a:solidFill>
+                              <a:srgbClr val="660066"/>
+                            </a:solidFill>
+                            <a:latin typeface="Cambria Math" panose="02040503050406030204" pitchFamily="18" charset="0"/>
+                          </a:rPr>
+                        </m:ctrlPr>
+                      </m:sSubPr>
+                      <m:e>
+                        <m:r>
+                          <a:rPr lang="en-US" sz="2800" i="1">
+                            <a:solidFill>
+                              <a:srgbClr val="660066"/>
+                            </a:solidFill>
+                            <a:latin typeface="Cambria Math" panose="02040503050406030204" pitchFamily="18" charset="0"/>
+                          </a:rPr>
+                          <m:t>𝛽</m:t>
+                        </m:r>
+                      </m:e>
+                      <m:sub>
+                        <m:r>
+                          <a:rPr lang="en-US" sz="2800" i="1">
+                            <a:solidFill>
+                              <a:srgbClr val="660066"/>
+                            </a:solidFill>
+                            <a:latin typeface="Cambria Math" panose="02040503050406030204" pitchFamily="18" charset="0"/>
+                          </a:rPr>
+                          <m:t>0</m:t>
+                        </m:r>
+                      </m:sub>
+                    </m:sSub>
+                    <m:r>
+                      <a:rPr lang="en-US" sz="2800" i="1">
+                        <a:solidFill>
+                          <a:srgbClr val="660066"/>
+                        </a:solidFill>
+                        <a:latin typeface="Cambria Math" panose="02040503050406030204" pitchFamily="18" charset="0"/>
+                      </a:rPr>
+                      <m:t>+</m:t>
+                    </m:r>
+                    <m:sSub>
+                      <m:sSubPr>
+                        <m:ctrlPr>
+                          <a:rPr lang="en-US" sz="2800" i="1">
+                            <a:solidFill>
+                              <a:srgbClr val="660066"/>
+                            </a:solidFill>
+                            <a:latin typeface="Cambria Math" panose="02040503050406030204" pitchFamily="18" charset="0"/>
+                          </a:rPr>
+                        </m:ctrlPr>
+                      </m:sSubPr>
+                      <m:e>
+                        <m:r>
+                          <a:rPr lang="en-US" sz="2800" i="1">
+                            <a:solidFill>
+                              <a:srgbClr val="660066"/>
+                            </a:solidFill>
+                            <a:latin typeface="Cambria Math" panose="02040503050406030204" pitchFamily="18" charset="0"/>
+                          </a:rPr>
+                          <m:t>𝛽</m:t>
+                        </m:r>
+                      </m:e>
+                      <m:sub>
+                        <m:r>
+                          <a:rPr lang="en-US" sz="2800" i="1">
+                            <a:solidFill>
+                              <a:srgbClr val="660066"/>
+                            </a:solidFill>
+                            <a:latin typeface="Cambria Math" panose="02040503050406030204" pitchFamily="18" charset="0"/>
+                          </a:rPr>
+                          <m:t>1</m:t>
+                        </m:r>
+                      </m:sub>
+                    </m:sSub>
+                    <m:r>
+                      <a:rPr lang="en-US" sz="2800" i="1">
+                        <a:solidFill>
+                          <a:srgbClr val="660066"/>
+                        </a:solidFill>
+                        <a:latin typeface="Cambria Math" panose="02040503050406030204" pitchFamily="18" charset="0"/>
+                      </a:rPr>
+                      <m:t>𝑋</m:t>
+                    </m:r>
+                    <m:r>
+                      <a:rPr lang="en-US" sz="2800" i="1">
+                        <a:solidFill>
+                          <a:srgbClr val="660066"/>
+                        </a:solidFill>
+                        <a:latin typeface="Cambria Math" panose="02040503050406030204" pitchFamily="18" charset="0"/>
+                      </a:rPr>
+                      <m:t>+</m:t>
+                    </m:r>
+                    <m:r>
+                      <a:rPr lang="en-US" sz="2800" i="1">
+                        <a:solidFill>
+                          <a:srgbClr val="660066"/>
+                        </a:solidFill>
+                        <a:latin typeface="Cambria Math" panose="02040503050406030204" pitchFamily="18" charset="0"/>
+                      </a:rPr>
+                      <m:t>𝜖</m:t>
+                    </m:r>
+                  </m:oMath>
+                </a14:m>
+                <a:endParaRPr lang="en-US" sz="2800" dirty="0">
+                  <a:solidFill>
+                    <a:srgbClr val="660066"/>
+                  </a:solidFill>
+                </a:endParaRPr>
+              </a:p>
+              <a:p>
+                <a:pPr lvl="1"/>
+                <a14:m>
+                  <m:oMathPara xmlns:m="http://schemas.openxmlformats.org/officeDocument/2006/math">
+                    <m:oMathParaPr>
+                      <m:jc m:val="centerGroup"/>
+                    </m:oMathParaPr>
+                    <m:oMath xmlns:m="http://schemas.openxmlformats.org/officeDocument/2006/math">
+                      <m:acc>
+                        <m:accPr>
+                          <m:chr m:val="̂"/>
+                          <m:ctrlPr>
+                            <a:rPr lang="en-US" sz="2800" i="1" dirty="0" smtClean="0">
+                              <a:solidFill>
+                                <a:srgbClr val="660066"/>
+                              </a:solidFill>
+                              <a:latin typeface="Cambria Math" panose="02040503050406030204" pitchFamily="18" charset="0"/>
+                            </a:rPr>
+                          </m:ctrlPr>
+                        </m:accPr>
+                        <m:e>
+                          <m:r>
+                            <a:rPr lang="en-US" sz="2800" b="0" i="1" dirty="0" smtClean="0">
+                              <a:solidFill>
+                                <a:srgbClr val="660066"/>
+                              </a:solidFill>
+                              <a:latin typeface="Cambria Math" panose="02040503050406030204" pitchFamily="18" charset="0"/>
+                            </a:rPr>
+                            <m:t>𝑌</m:t>
+                          </m:r>
+                        </m:e>
+                      </m:acc>
+                      <m:r>
+                        <a:rPr lang="en-US" sz="2800" i="1">
+                          <a:solidFill>
+                            <a:srgbClr val="660066"/>
+                          </a:solidFill>
+                          <a:latin typeface="Cambria Math" panose="02040503050406030204" pitchFamily="18" charset="0"/>
+                        </a:rPr>
+                        <m:t>=</m:t>
+                      </m:r>
+                      <m:func>
+                        <m:funcPr>
+                          <m:ctrlPr>
+                            <a:rPr lang="en-US" sz="2800" b="0" i="1" smtClean="0">
+                              <a:solidFill>
+                                <a:srgbClr val="660066"/>
+                              </a:solidFill>
+                              <a:latin typeface="Cambria Math" panose="02040503050406030204" pitchFamily="18" charset="0"/>
+                            </a:rPr>
+                          </m:ctrlPr>
+                        </m:funcPr>
+                        <m:fName>
+                          <m:r>
+                            <m:rPr>
+                              <m:sty m:val="p"/>
+                            </m:rPr>
+                            <a:rPr lang="en-US" sz="2800" b="0" i="0" smtClean="0">
+                              <a:solidFill>
+                                <a:srgbClr val="660066"/>
+                              </a:solidFill>
+                              <a:latin typeface="Cambria Math" panose="02040503050406030204" pitchFamily="18" charset="0"/>
+                            </a:rPr>
+                            <m:t>exp</m:t>
+                          </m:r>
+                        </m:fName>
+                        <m:e>
+                          <m:d>
+                            <m:dPr>
+                              <m:ctrlPr>
+                                <a:rPr lang="en-US" sz="2800" b="0" i="1" smtClean="0">
+                                  <a:solidFill>
+                                    <a:srgbClr val="660066"/>
+                                  </a:solidFill>
+                                  <a:latin typeface="Cambria Math" panose="02040503050406030204" pitchFamily="18" charset="0"/>
+                                </a:rPr>
+                              </m:ctrlPr>
+                            </m:dPr>
+                            <m:e>
+                              <m:acc>
+                                <m:accPr>
+                                  <m:chr m:val="̂"/>
+                                  <m:ctrlPr>
+                                    <a:rPr lang="en-US" sz="2800" b="0" i="1" smtClean="0">
+                                      <a:solidFill>
+                                        <a:srgbClr val="660066"/>
+                                      </a:solidFill>
+                                      <a:latin typeface="Cambria Math" panose="02040503050406030204" pitchFamily="18" charset="0"/>
+                                    </a:rPr>
+                                  </m:ctrlPr>
+                                </m:accPr>
+                                <m:e>
+                                  <m:sSub>
+                                    <m:sSubPr>
+                                      <m:ctrlPr>
+                                        <a:rPr lang="en-US" sz="2800" b="0" i="1" smtClean="0">
+                                          <a:solidFill>
+                                            <a:srgbClr val="660066"/>
+                                          </a:solidFill>
+                                          <a:latin typeface="Cambria Math" panose="02040503050406030204" pitchFamily="18" charset="0"/>
+                                        </a:rPr>
+                                      </m:ctrlPr>
+                                    </m:sSubPr>
+                                    <m:e>
+                                      <m:r>
+                                        <a:rPr lang="en-US" sz="2800" b="0" i="1" smtClean="0">
+                                          <a:solidFill>
+                                            <a:srgbClr val="660066"/>
+                                          </a:solidFill>
+                                          <a:latin typeface="Cambria Math" panose="02040503050406030204" pitchFamily="18" charset="0"/>
+                                        </a:rPr>
+                                        <m:t>𝛽</m:t>
+                                      </m:r>
+                                    </m:e>
+                                    <m:sub>
+                                      <m:r>
+                                        <a:rPr lang="en-US" sz="2800" b="0" i="1" smtClean="0">
+                                          <a:solidFill>
+                                            <a:srgbClr val="660066"/>
+                                          </a:solidFill>
+                                          <a:latin typeface="Cambria Math" panose="02040503050406030204" pitchFamily="18" charset="0"/>
+                                        </a:rPr>
+                                        <m:t>0</m:t>
+                                      </m:r>
+                                    </m:sub>
+                                  </m:sSub>
+                                </m:e>
+                              </m:acc>
+                              <m:r>
+                                <a:rPr lang="en-US" sz="2800" b="0" i="1" smtClean="0">
+                                  <a:solidFill>
+                                    <a:srgbClr val="660066"/>
+                                  </a:solidFill>
+                                  <a:latin typeface="Cambria Math" panose="02040503050406030204" pitchFamily="18" charset="0"/>
+                                </a:rPr>
+                                <m:t>+</m:t>
+                              </m:r>
+                              <m:acc>
+                                <m:accPr>
+                                  <m:chr m:val="̂"/>
+                                  <m:ctrlPr>
+                                    <a:rPr lang="en-US" sz="2800" i="1">
+                                      <a:solidFill>
+                                        <a:srgbClr val="660066"/>
+                                      </a:solidFill>
+                                      <a:latin typeface="Cambria Math" panose="02040503050406030204" pitchFamily="18" charset="0"/>
+                                    </a:rPr>
+                                  </m:ctrlPr>
+                                </m:accPr>
+                                <m:e>
+                                  <m:sSub>
+                                    <m:sSubPr>
+                                      <m:ctrlPr>
+                                        <a:rPr lang="en-US" sz="2800" i="1">
+                                          <a:solidFill>
+                                            <a:srgbClr val="660066"/>
+                                          </a:solidFill>
+                                          <a:latin typeface="Cambria Math" panose="02040503050406030204" pitchFamily="18" charset="0"/>
+                                        </a:rPr>
+                                      </m:ctrlPr>
+                                    </m:sSubPr>
+                                    <m:e>
+                                      <m:r>
+                                        <a:rPr lang="en-US" sz="2800" i="1">
+                                          <a:solidFill>
+                                            <a:srgbClr val="660066"/>
+                                          </a:solidFill>
+                                          <a:latin typeface="Cambria Math" panose="02040503050406030204" pitchFamily="18" charset="0"/>
+                                        </a:rPr>
+                                        <m:t>𝛽</m:t>
+                                      </m:r>
+                                    </m:e>
+                                    <m:sub>
+                                      <m:r>
+                                        <a:rPr lang="en-US" sz="2800" b="0" i="1" smtClean="0">
+                                          <a:solidFill>
+                                            <a:srgbClr val="660066"/>
+                                          </a:solidFill>
+                                          <a:latin typeface="Cambria Math" panose="02040503050406030204" pitchFamily="18" charset="0"/>
+                                        </a:rPr>
+                                        <m:t>1</m:t>
+                                      </m:r>
+                                    </m:sub>
+                                  </m:sSub>
+                                </m:e>
+                              </m:acc>
+                              <m:r>
+                                <a:rPr lang="en-US" sz="2800" b="0" i="1" smtClean="0">
+                                  <a:solidFill>
+                                    <a:srgbClr val="660066"/>
+                                  </a:solidFill>
+                                  <a:latin typeface="Cambria Math" panose="02040503050406030204" pitchFamily="18" charset="0"/>
+                                </a:rPr>
+                                <m:t>𝑋</m:t>
+                              </m:r>
+                            </m:e>
+                          </m:d>
+                        </m:e>
+                      </m:func>
+                      <m:r>
+                        <a:rPr lang="en-US" sz="2800" b="0" i="1" smtClean="0">
+                          <a:solidFill>
+                            <a:srgbClr val="660066"/>
+                          </a:solidFill>
+                          <a:latin typeface="Cambria Math" panose="02040503050406030204" pitchFamily="18" charset="0"/>
+                        </a:rPr>
+                        <m:t>=</m:t>
+                      </m:r>
+                      <m:sSup>
+                        <m:sSupPr>
+                          <m:ctrlPr>
+                            <a:rPr lang="en-US" sz="2800" b="0" i="1" smtClean="0">
+                              <a:solidFill>
+                                <a:srgbClr val="660066"/>
+                              </a:solidFill>
+                              <a:latin typeface="Cambria Math" panose="02040503050406030204" pitchFamily="18" charset="0"/>
+                            </a:rPr>
+                          </m:ctrlPr>
+                        </m:sSupPr>
+                        <m:e>
+                          <m:r>
+                            <a:rPr lang="en-US" sz="2800" b="0" i="1" smtClean="0">
+                              <a:solidFill>
+                                <a:srgbClr val="660066"/>
+                              </a:solidFill>
+                              <a:latin typeface="Cambria Math" panose="02040503050406030204" pitchFamily="18" charset="0"/>
+                            </a:rPr>
+                            <m:t>𝑒</m:t>
+                          </m:r>
+                        </m:e>
+                        <m:sup>
+                          <m:d>
+                            <m:dPr>
+                              <m:ctrlPr>
+                                <a:rPr lang="en-US" sz="2800" i="1">
+                                  <a:solidFill>
+                                    <a:srgbClr val="660066"/>
+                                  </a:solidFill>
+                                  <a:latin typeface="Cambria Math" panose="02040503050406030204" pitchFamily="18" charset="0"/>
+                                </a:rPr>
+                              </m:ctrlPr>
+                            </m:dPr>
+                            <m:e>
+                              <m:acc>
+                                <m:accPr>
+                                  <m:chr m:val="̂"/>
+                                  <m:ctrlPr>
+                                    <a:rPr lang="en-US" sz="2800" i="1">
+                                      <a:solidFill>
+                                        <a:srgbClr val="660066"/>
+                                      </a:solidFill>
+                                      <a:latin typeface="Cambria Math" panose="02040503050406030204" pitchFamily="18" charset="0"/>
+                                    </a:rPr>
+                                  </m:ctrlPr>
+                                </m:accPr>
+                                <m:e>
+                                  <m:sSub>
+                                    <m:sSubPr>
+                                      <m:ctrlPr>
+                                        <a:rPr lang="en-US" sz="2800" i="1" smtClean="0">
+                                          <a:solidFill>
+                                            <a:srgbClr val="660066"/>
+                                          </a:solidFill>
+                                          <a:latin typeface="Cambria Math" panose="02040503050406030204" pitchFamily="18" charset="0"/>
+                                        </a:rPr>
+                                      </m:ctrlPr>
+                                    </m:sSubPr>
+                                    <m:e>
+                                      <m:r>
+                                        <a:rPr lang="en-US" sz="2800" i="1">
+                                          <a:solidFill>
+                                            <a:srgbClr val="660066"/>
+                                          </a:solidFill>
+                                          <a:latin typeface="Cambria Math" panose="02040503050406030204" pitchFamily="18" charset="0"/>
+                                        </a:rPr>
+                                        <m:t>𝛽</m:t>
+                                      </m:r>
+                                    </m:e>
+                                    <m:sub>
+                                      <m:r>
+                                        <a:rPr lang="en-US" sz="2800" i="1">
+                                          <a:solidFill>
+                                            <a:srgbClr val="660066"/>
+                                          </a:solidFill>
+                                          <a:latin typeface="Cambria Math" panose="02040503050406030204" pitchFamily="18" charset="0"/>
+                                        </a:rPr>
+                                        <m:t>0</m:t>
+                                      </m:r>
+                                    </m:sub>
+                                  </m:sSub>
+                                </m:e>
+                              </m:acc>
+                              <m:r>
+                                <a:rPr lang="en-US" sz="2800" i="1">
+                                  <a:solidFill>
+                                    <a:srgbClr val="660066"/>
+                                  </a:solidFill>
+                                  <a:latin typeface="Cambria Math" panose="02040503050406030204" pitchFamily="18" charset="0"/>
+                                </a:rPr>
+                                <m:t>+</m:t>
+                              </m:r>
+                              <m:acc>
+                                <m:accPr>
+                                  <m:chr m:val="̂"/>
+                                  <m:ctrlPr>
+                                    <a:rPr lang="en-US" sz="2800" i="1">
+                                      <a:solidFill>
+                                        <a:srgbClr val="660066"/>
+                                      </a:solidFill>
+                                      <a:latin typeface="Cambria Math" panose="02040503050406030204" pitchFamily="18" charset="0"/>
+                                    </a:rPr>
+                                  </m:ctrlPr>
+                                </m:accPr>
+                                <m:e>
+                                  <m:sSub>
+                                    <m:sSubPr>
+                                      <m:ctrlPr>
+                                        <a:rPr lang="en-US" sz="2800" i="1">
+                                          <a:solidFill>
+                                            <a:srgbClr val="660066"/>
+                                          </a:solidFill>
+                                          <a:latin typeface="Cambria Math" panose="02040503050406030204" pitchFamily="18" charset="0"/>
+                                        </a:rPr>
+                                      </m:ctrlPr>
+                                    </m:sSubPr>
+                                    <m:e>
+                                      <m:r>
+                                        <a:rPr lang="en-US" sz="2800" i="1">
+                                          <a:solidFill>
+                                            <a:srgbClr val="660066"/>
+                                          </a:solidFill>
+                                          <a:latin typeface="Cambria Math" panose="02040503050406030204" pitchFamily="18" charset="0"/>
+                                        </a:rPr>
+                                        <m:t>𝛽</m:t>
+                                      </m:r>
+                                    </m:e>
+                                    <m:sub>
+                                      <m:r>
+                                        <a:rPr lang="en-US" sz="2800" i="1">
+                                          <a:solidFill>
+                                            <a:srgbClr val="660066"/>
+                                          </a:solidFill>
+                                          <a:latin typeface="Cambria Math" panose="02040503050406030204" pitchFamily="18" charset="0"/>
+                                        </a:rPr>
+                                        <m:t>1</m:t>
+                                      </m:r>
+                                    </m:sub>
+                                  </m:sSub>
+                                </m:e>
+                              </m:acc>
+                              <m:r>
+                                <a:rPr lang="en-US" sz="2800" i="1">
+                                  <a:solidFill>
+                                    <a:srgbClr val="660066"/>
+                                  </a:solidFill>
+                                  <a:latin typeface="Cambria Math" panose="02040503050406030204" pitchFamily="18" charset="0"/>
+                                </a:rPr>
+                                <m:t>𝑋</m:t>
+                              </m:r>
+                            </m:e>
+                          </m:d>
+                        </m:sup>
+                      </m:sSup>
+                      <m:r>
+                        <a:rPr lang="en-US" sz="2800" b="0" i="1" smtClean="0">
+                          <a:solidFill>
+                            <a:srgbClr val="660066"/>
+                          </a:solidFill>
+                          <a:latin typeface="Cambria Math" panose="02040503050406030204" pitchFamily="18" charset="0"/>
+                        </a:rPr>
+                        <m:t>=</m:t>
+                      </m:r>
+                      <m:sSup>
+                        <m:sSupPr>
+                          <m:ctrlPr>
+                            <a:rPr lang="en-US" sz="2800" b="0" i="1" smtClean="0">
+                              <a:solidFill>
+                                <a:srgbClr val="660066"/>
+                              </a:solidFill>
+                              <a:latin typeface="Cambria Math" panose="02040503050406030204" pitchFamily="18" charset="0"/>
+                            </a:rPr>
+                          </m:ctrlPr>
+                        </m:sSupPr>
+                        <m:e>
+                          <m:r>
+                            <a:rPr lang="en-US" sz="2800" b="0" i="1" smtClean="0">
+                              <a:solidFill>
+                                <a:srgbClr val="660066"/>
+                              </a:solidFill>
+                              <a:latin typeface="Cambria Math" panose="02040503050406030204" pitchFamily="18" charset="0"/>
+                            </a:rPr>
+                            <m:t>𝑒</m:t>
+                          </m:r>
+                        </m:e>
+                        <m:sup>
+                          <m:acc>
+                            <m:accPr>
+                              <m:chr m:val="̂"/>
+                              <m:ctrlPr>
+                                <a:rPr lang="en-US" sz="2800" b="0" i="1" smtClean="0">
+                                  <a:solidFill>
+                                    <a:srgbClr val="660066"/>
+                                  </a:solidFill>
+                                  <a:latin typeface="Cambria Math" panose="02040503050406030204" pitchFamily="18" charset="0"/>
+                                </a:rPr>
+                              </m:ctrlPr>
+                            </m:accPr>
+                            <m:e>
+                              <m:sSup>
+                                <m:sSupPr>
+                                  <m:ctrlPr>
+                                    <a:rPr lang="en-US" sz="2800" b="0" i="1" smtClean="0">
+                                      <a:solidFill>
+                                        <a:srgbClr val="660066"/>
+                                      </a:solidFill>
+                                      <a:latin typeface="Cambria Math" panose="02040503050406030204" pitchFamily="18" charset="0"/>
+                                    </a:rPr>
+                                  </m:ctrlPr>
+                                </m:sSupPr>
+                                <m:e>
+                                  <m:r>
+                                    <a:rPr lang="en-US" sz="2800" b="0" i="1" smtClean="0">
+                                      <a:solidFill>
+                                        <a:srgbClr val="660066"/>
+                                      </a:solidFill>
+                                      <a:latin typeface="Cambria Math" panose="02040503050406030204" pitchFamily="18" charset="0"/>
+                                    </a:rPr>
+                                    <m:t>𝑌</m:t>
+                                  </m:r>
+                                </m:e>
+                                <m:sup>
+                                  <m:r>
+                                    <a:rPr lang="en-US" sz="2800" b="0" i="1" smtClean="0">
+                                      <a:solidFill>
+                                        <a:srgbClr val="660066"/>
+                                      </a:solidFill>
+                                      <a:latin typeface="Cambria Math" panose="02040503050406030204" pitchFamily="18" charset="0"/>
+                                    </a:rPr>
+                                    <m:t>′</m:t>
+                                  </m:r>
+                                </m:sup>
+                              </m:sSup>
+                            </m:e>
+                          </m:acc>
+                        </m:sup>
+                      </m:sSup>
+                    </m:oMath>
+                  </m:oMathPara>
+                </a14:m>
+                <a:endParaRPr lang="en-US" sz="2800" dirty="0">
+                  <a:solidFill>
+                    <a:srgbClr val="660066"/>
+                  </a:solidFill>
+                </a:endParaRPr>
+              </a:p>
+            </p:txBody>
+          </p:sp>
+        </mc:Choice>
+        <mc:Fallback>
+          <p:sp>
+            <p:nvSpPr>
+              <p:cNvPr id="7" name="TextBox 6">
+                <a:extLst>
+                  <a:ext uri="{FF2B5EF4-FFF2-40B4-BE49-F238E27FC236}">
+                    <a16:creationId xmlns:a16="http://schemas.microsoft.com/office/drawing/2014/main" id="{D9B238EA-D04E-3255-7509-F990F1A8F309}"/>
+                  </a:ext>
+                </a:extLst>
+              </p:cNvPr>
+              <p:cNvSpPr txBox="1">
+                <a:spLocks noRot="1" noChangeAspect="1" noMove="1" noResize="1" noEditPoints="1" noAdjustHandles="1" noChangeArrowheads="1" noChangeShapeType="1" noTextEdit="1"/>
+              </p:cNvSpPr>
+              <p:nvPr/>
+            </p:nvSpPr>
+            <p:spPr>
+              <a:xfrm>
+                <a:off x="495300" y="1974467"/>
+                <a:ext cx="11201400" cy="4995765"/>
+              </a:xfrm>
+              <a:prstGeom prst="roundRect">
+                <a:avLst/>
+              </a:prstGeom>
+              <a:blipFill>
+                <a:blip r:embed="rId3"/>
+                <a:stretch>
+                  <a:fillRect/>
+                </a:stretch>
+              </a:blipFill>
+              <a:ln w="76200">
                 <a:solidFill>
-                  <a:srgbClr val="660066"/>
+                  <a:srgbClr val="FFC416"/>
                 </a:solidFill>
-              </a:rPr>
-              <a:t>Ideal:</a:t>
-            </a:r>
-          </a:p>
-          <a:p>
-            <a:pPr marL="914400" lvl="1" indent="-457200">
-              <a:buFont typeface="Arial" panose="020B0604020202020204" pitchFamily="34" charset="0"/>
-              <a:buChar char="•"/>
-            </a:pPr>
-            <a:r>
-              <a:rPr lang="en-US" sz="2800" dirty="0">
-                <a:solidFill>
-                  <a:srgbClr val="660066"/>
-                </a:solidFill>
-              </a:rPr>
-              <a:t>Randomly Distributed Around 0 (Independence and Bias)</a:t>
-            </a:r>
-          </a:p>
-          <a:p>
-            <a:pPr marL="914400" lvl="1" indent="-457200">
-              <a:buFont typeface="Arial" panose="020B0604020202020204" pitchFamily="34" charset="0"/>
-              <a:buChar char="•"/>
-            </a:pPr>
-            <a:r>
-              <a:rPr lang="en-US" sz="2800" dirty="0">
-                <a:solidFill>
-                  <a:srgbClr val="660066"/>
-                </a:solidFill>
-              </a:rPr>
-              <a:t>No Long Runs Above 0 or Below 0 (Positive Autocorrelation)</a:t>
-            </a:r>
-          </a:p>
-          <a:p>
-            <a:pPr marL="914400" lvl="1" indent="-457200">
-              <a:buFont typeface="Arial" panose="020B0604020202020204" pitchFamily="34" charset="0"/>
-              <a:buChar char="•"/>
-            </a:pPr>
-            <a:r>
-              <a:rPr lang="en-US" sz="2800" dirty="0">
-                <a:solidFill>
-                  <a:srgbClr val="660066"/>
-                </a:solidFill>
-              </a:rPr>
-              <a:t>No Bouncing Up and Down (Negative Autocorrelation)</a:t>
-            </a:r>
-          </a:p>
-          <a:p>
-            <a:pPr lvl="1"/>
-            <a:endParaRPr lang="en-US" sz="2800" dirty="0">
-              <a:solidFill>
-                <a:srgbClr val="660066"/>
-              </a:solidFill>
-            </a:endParaRPr>
-          </a:p>
-          <a:p>
-            <a:pPr marL="457200" indent="-457200">
-              <a:buFont typeface="Arial" panose="020B0604020202020204" pitchFamily="34" charset="0"/>
-              <a:buChar char="•"/>
-            </a:pPr>
-            <a:r>
-              <a:rPr lang="en-US" sz="2800" dirty="0">
-                <a:solidFill>
-                  <a:srgbClr val="660066"/>
-                </a:solidFill>
-              </a:rPr>
-              <a:t>Observe Plots in Supplement for Lecture 5</a:t>
-            </a:r>
-          </a:p>
-        </p:txBody>
-      </p:sp>
-    </p:spTree>
-  </p:cSld>
-  <p:clrMapOvr>
-    <a:masterClrMapping/>
-  </p:clrMapOvr>
-</p:sld>
-</file>
-
-<file path=ppt/slides/slide7.xml><?xml version="1.0" encoding="utf-8"?>
-<p:sld xmlns:a="http://schemas.openxmlformats.org/drawingml/2006/main" xmlns:r="http://schemas.openxmlformats.org/officeDocument/2006/relationships" xmlns:p="http://schemas.openxmlformats.org/presentationml/2006/main">
-  <p:cSld>
-    <p:spTree>
-      <p:nvGrpSpPr>
-        <p:cNvPr id="1" name=""/>
-        <p:cNvGrpSpPr/>
-        <p:nvPr/>
-      </p:nvGrpSpPr>
-      <p:grpSpPr>
-        <a:xfrm>
-          <a:off x="0" y="0"/>
-          <a:ext cx="0" cy="0"/>
-          <a:chOff x="0" y="0"/>
-          <a:chExt cx="0" cy="0"/>
-        </a:xfrm>
-      </p:grpSpPr>
-      <p:pic>
-        <p:nvPicPr>
-          <p:cNvPr id="2" name="Picture 10" descr="Mario Pattern">
-            <a:extLst>
-              <a:ext uri="{FF2B5EF4-FFF2-40B4-BE49-F238E27FC236}">
-                <a16:creationId xmlns:a16="http://schemas.microsoft.com/office/drawing/2014/main" id="{8F84FFD9-23AF-75F7-6DAA-904525952142}"/>
-              </a:ext>
-            </a:extLst>
-          </p:cNvPr>
-          <p:cNvPicPr>
-            <a:picLocks noChangeAspect="1" noChangeArrowheads="1"/>
-          </p:cNvPicPr>
-          <p:nvPr/>
-        </p:nvPicPr>
-        <p:blipFill rotWithShape="1">
-          <a:blip r:embed="rId2">
-            <a:alphaModFix amt="47000"/>
-            <a:extLst>
-              <a:ext uri="{28A0092B-C50C-407E-A947-70E740481C1C}">
-                <a14:useLocalDpi xmlns:a14="http://schemas.microsoft.com/office/drawing/2010/main" val="0"/>
-              </a:ext>
-            </a:extLst>
-          </a:blip>
-          <a:srcRect l="4595" r="6699"/>
-          <a:stretch/>
-        </p:blipFill>
-        <p:spPr bwMode="auto">
-          <a:xfrm>
-            <a:off x="0" y="-2057400"/>
-            <a:ext cx="12192000" cy="10308201"/>
-          </a:xfrm>
-          <a:prstGeom prst="rect">
-            <a:avLst/>
-          </a:prstGeom>
-          <a:noFill/>
-          <a:extLst>
-            <a:ext uri="{909E8E84-426E-40DD-AFC4-6F175D3DCCD1}">
-              <a14:hiddenFill xmlns:a14="http://schemas.microsoft.com/office/drawing/2010/main">
-                <a:solidFill>
-                  <a:srgbClr val="FFFFFF"/>
-                </a:solidFill>
-              </a14:hiddenFill>
-            </a:ext>
-          </a:extLst>
-        </p:spPr>
-      </p:pic>
-      <p:sp>
-        <p:nvSpPr>
-          <p:cNvPr id="12" name="Line 11"/>
-          <p:cNvSpPr>
-            <a:spLocks noChangeShapeType="1"/>
-          </p:cNvSpPr>
-          <p:nvPr/>
-        </p:nvSpPr>
-        <p:spPr bwMode="auto">
-          <a:xfrm flipV="1">
-            <a:off x="6972300" y="5109836"/>
-            <a:ext cx="609600" cy="533400"/>
-          </a:xfrm>
-          <a:prstGeom prst="line">
-            <a:avLst/>
-          </a:prstGeom>
-          <a:noFill/>
-          <a:ln w="38100">
-            <a:solidFill>
-              <a:srgbClr val="FFFF66"/>
-            </a:solidFill>
-            <a:round/>
-            <a:headEnd/>
-            <a:tailEnd type="triangle" w="med" len="med"/>
-          </a:ln>
-          <a:extLst>
-            <a:ext uri="{909E8E84-426E-40DD-AFC4-6F175D3DCCD1}">
-              <a14:hiddenFill xmlns:a14="http://schemas.microsoft.com/office/drawing/2010/main">
-                <a:noFill/>
-              </a14:hiddenFill>
-            </a:ext>
-          </a:extLst>
-        </p:spPr>
-        <p:txBody>
-          <a:bodyPr wrap="square">
-            <a:spAutoFit/>
-          </a:bodyPr>
-          <a:lstStyle/>
-          <a:p>
-            <a:endParaRPr lang="en-US"/>
-          </a:p>
-        </p:txBody>
-      </p:sp>
-      <p:sp>
-        <p:nvSpPr>
-          <p:cNvPr id="6" name="TextBox 5">
-            <a:extLst>
-              <a:ext uri="{FF2B5EF4-FFF2-40B4-BE49-F238E27FC236}">
-                <a16:creationId xmlns:a16="http://schemas.microsoft.com/office/drawing/2014/main" id="{4F2DA592-D8EB-70BA-2112-6C13A4E7B393}"/>
-              </a:ext>
-            </a:extLst>
-          </p:cNvPr>
-          <p:cNvSpPr txBox="1"/>
-          <p:nvPr/>
-        </p:nvSpPr>
-        <p:spPr>
-          <a:xfrm>
-            <a:off x="495300" y="606817"/>
-            <a:ext cx="11201400" cy="919401"/>
-          </a:xfrm>
-          <a:prstGeom prst="roundRect">
-            <a:avLst/>
-          </a:prstGeom>
-          <a:solidFill>
-            <a:schemeClr val="bg1">
-              <a:alpha val="70000"/>
-            </a:schemeClr>
-          </a:solidFill>
-          <a:ln w="76200">
-            <a:solidFill>
-              <a:srgbClr val="FFC416"/>
-            </a:solidFill>
-          </a:ln>
-        </p:spPr>
-        <p:style>
-          <a:lnRef idx="2">
-            <a:schemeClr val="dk1"/>
-          </a:lnRef>
-          <a:fillRef idx="1">
-            <a:schemeClr val="lt1"/>
-          </a:fillRef>
-          <a:effectRef idx="0">
-            <a:schemeClr val="dk1"/>
-          </a:effectRef>
-          <a:fontRef idx="minor">
-            <a:schemeClr val="dk1"/>
-          </a:fontRef>
-        </p:style>
-        <p:txBody>
-          <a:bodyPr wrap="square" rtlCol="0">
-            <a:spAutoFit/>
-          </a:bodyPr>
-          <a:lstStyle/>
-          <a:p>
-            <a:pPr algn="ctr"/>
-            <a:r>
-              <a:rPr lang="en-US" sz="4800" b="1" dirty="0">
-                <a:solidFill>
-                  <a:srgbClr val="2D3A37"/>
-                </a:solidFill>
-                <a:effectLst/>
-                <a:latin typeface="Adobe Devanagari" panose="02040503050201020203" pitchFamily="18" charset="0"/>
-                <a:cs typeface="Adobe Devanagari" panose="02040503050201020203" pitchFamily="18" charset="0"/>
-              </a:rPr>
-              <a:t>Histogram/Boxplot of Residuals</a:t>
-            </a:r>
-            <a:endParaRPr lang="en-US" sz="4800" dirty="0">
-              <a:solidFill>
-                <a:srgbClr val="2D3A37"/>
-              </a:solidFill>
-            </a:endParaRPr>
-          </a:p>
-        </p:txBody>
-      </p:sp>
-      <p:sp>
-        <p:nvSpPr>
-          <p:cNvPr id="7" name="TextBox 6">
-            <a:extLst>
-              <a:ext uri="{FF2B5EF4-FFF2-40B4-BE49-F238E27FC236}">
-                <a16:creationId xmlns:a16="http://schemas.microsoft.com/office/drawing/2014/main" id="{D9B238EA-D04E-3255-7509-F990F1A8F309}"/>
-              </a:ext>
-            </a:extLst>
-          </p:cNvPr>
-          <p:cNvSpPr txBox="1"/>
-          <p:nvPr/>
-        </p:nvSpPr>
-        <p:spPr>
-          <a:xfrm>
-            <a:off x="495300" y="1974467"/>
-            <a:ext cx="11201400" cy="2962513"/>
-          </a:xfrm>
-          <a:prstGeom prst="roundRect">
-            <a:avLst/>
-          </a:prstGeom>
-          <a:solidFill>
-            <a:schemeClr val="bg1"/>
-          </a:solidFill>
-          <a:ln w="76200">
-            <a:solidFill>
-              <a:srgbClr val="FFC416"/>
-            </a:solidFill>
-          </a:ln>
-        </p:spPr>
-        <p:style>
-          <a:lnRef idx="2">
-            <a:schemeClr val="dk1"/>
-          </a:lnRef>
-          <a:fillRef idx="1">
-            <a:schemeClr val="lt1"/>
-          </a:fillRef>
-          <a:effectRef idx="0">
-            <a:schemeClr val="dk1"/>
-          </a:effectRef>
-          <a:fontRef idx="minor">
-            <a:schemeClr val="dk1"/>
-          </a:fontRef>
-        </p:style>
-        <p:txBody>
-          <a:bodyPr wrap="square" rtlCol="0">
-            <a:spAutoFit/>
-          </a:bodyPr>
-          <a:lstStyle/>
-          <a:p>
-            <a:pPr marL="457200" indent="-457200">
-              <a:buFont typeface="Arial" panose="020B0604020202020204" pitchFamily="34" charset="0"/>
-              <a:buChar char="•"/>
-            </a:pPr>
-            <a:r>
-              <a:rPr lang="en-US" sz="2800" dirty="0">
-                <a:solidFill>
-                  <a:srgbClr val="660066"/>
-                </a:solidFill>
-              </a:rPr>
-              <a:t>Ideal:</a:t>
-            </a:r>
-          </a:p>
-          <a:p>
-            <a:pPr marL="914400" lvl="1" indent="-457200">
-              <a:buFont typeface="Arial" panose="020B0604020202020204" pitchFamily="34" charset="0"/>
-              <a:buChar char="•"/>
-            </a:pPr>
-            <a:r>
-              <a:rPr lang="en-US" sz="2800" dirty="0">
-                <a:solidFill>
-                  <a:srgbClr val="660066"/>
-                </a:solidFill>
-              </a:rPr>
-              <a:t>Bell-shaped and Symmetric (Normal Distributed)</a:t>
-            </a:r>
-          </a:p>
-          <a:p>
-            <a:pPr marL="914400" lvl="1" indent="-457200">
-              <a:buFont typeface="Arial" panose="020B0604020202020204" pitchFamily="34" charset="0"/>
-              <a:buChar char="•"/>
-            </a:pPr>
-            <a:r>
-              <a:rPr lang="en-US" sz="2800" dirty="0">
-                <a:solidFill>
-                  <a:srgbClr val="660066"/>
-                </a:solidFill>
-              </a:rPr>
-              <a:t>No Gaps (Few Outliers/Influential Points)</a:t>
-            </a:r>
-          </a:p>
-          <a:p>
-            <a:pPr marL="914400" lvl="1" indent="-457200">
-              <a:buFont typeface="Arial" panose="020B0604020202020204" pitchFamily="34" charset="0"/>
-              <a:buChar char="•"/>
-            </a:pPr>
-            <a:r>
-              <a:rPr lang="en-US" sz="2800" dirty="0">
-                <a:solidFill>
-                  <a:srgbClr val="660066"/>
-                </a:solidFill>
-              </a:rPr>
-              <a:t>Centered Around 0 (Unbiased)</a:t>
-            </a:r>
-          </a:p>
-          <a:p>
-            <a:pPr lvl="1"/>
-            <a:endParaRPr lang="en-US" sz="2800" dirty="0">
-              <a:solidFill>
-                <a:srgbClr val="660066"/>
-              </a:solidFill>
-            </a:endParaRPr>
-          </a:p>
-          <a:p>
-            <a:pPr marL="457200" indent="-457200">
-              <a:buFont typeface="Arial" panose="020B0604020202020204" pitchFamily="34" charset="0"/>
-              <a:buChar char="•"/>
-            </a:pPr>
-            <a:r>
-              <a:rPr lang="en-US" sz="2800" dirty="0">
-                <a:solidFill>
-                  <a:srgbClr val="660066"/>
-                </a:solidFill>
-              </a:rPr>
-              <a:t>Observe Plots in Supplement for Lecture 5</a:t>
-            </a:r>
-          </a:p>
-        </p:txBody>
-      </p:sp>
+              </a:ln>
+            </p:spPr>
+            <p:txBody>
+              <a:bodyPr/>
+              <a:lstStyle/>
+              <a:p>
+                <a:r>
+                  <a:rPr lang="en-US">
+                    <a:noFill/>
+                  </a:rPr>
+                  <a:t> </a:t>
+                </a:r>
+              </a:p>
+            </p:txBody>
+          </p:sp>
+        </mc:Fallback>
+      </mc:AlternateContent>
     </p:spTree>
     <p:extLst>
       <p:ext uri="{BB962C8B-B14F-4D97-AF65-F5344CB8AC3E}">
-        <p14:creationId xmlns:p14="http://schemas.microsoft.com/office/powerpoint/2010/main" val="86478159"/>
+        <p14:creationId xmlns:p14="http://schemas.microsoft.com/office/powerpoint/2010/main" val="1299604284"/>
       </p:ext>
     </p:extLst>
   </p:cSld>
@@ -7260,336 +8515,7 @@
 </p:sld>
 </file>
 
-<file path=ppt/slides/slide8.xml><?xml version="1.0" encoding="utf-8"?>
-<p:sld xmlns:a="http://schemas.openxmlformats.org/drawingml/2006/main" xmlns:r="http://schemas.openxmlformats.org/officeDocument/2006/relationships" xmlns:p="http://schemas.openxmlformats.org/presentationml/2006/main">
-  <p:cSld>
-    <p:spTree>
-      <p:nvGrpSpPr>
-        <p:cNvPr id="1" name=""/>
-        <p:cNvGrpSpPr/>
-        <p:nvPr/>
-      </p:nvGrpSpPr>
-      <p:grpSpPr>
-        <a:xfrm>
-          <a:off x="0" y="0"/>
-          <a:ext cx="0" cy="0"/>
-          <a:chOff x="0" y="0"/>
-          <a:chExt cx="0" cy="0"/>
-        </a:xfrm>
-      </p:grpSpPr>
-      <p:pic>
-        <p:nvPicPr>
-          <p:cNvPr id="2" name="Picture 10" descr="Mario Pattern">
-            <a:extLst>
-              <a:ext uri="{FF2B5EF4-FFF2-40B4-BE49-F238E27FC236}">
-                <a16:creationId xmlns:a16="http://schemas.microsoft.com/office/drawing/2014/main" id="{8F84FFD9-23AF-75F7-6DAA-904525952142}"/>
-              </a:ext>
-            </a:extLst>
-          </p:cNvPr>
-          <p:cNvPicPr>
-            <a:picLocks noChangeAspect="1" noChangeArrowheads="1"/>
-          </p:cNvPicPr>
-          <p:nvPr/>
-        </p:nvPicPr>
-        <p:blipFill rotWithShape="1">
-          <a:blip r:embed="rId2">
-            <a:alphaModFix amt="47000"/>
-            <a:extLst>
-              <a:ext uri="{28A0092B-C50C-407E-A947-70E740481C1C}">
-                <a14:useLocalDpi xmlns:a14="http://schemas.microsoft.com/office/drawing/2010/main" val="0"/>
-              </a:ext>
-            </a:extLst>
-          </a:blip>
-          <a:srcRect l="4595" r="6699"/>
-          <a:stretch/>
-        </p:blipFill>
-        <p:spPr bwMode="auto">
-          <a:xfrm>
-            <a:off x="0" y="-2057400"/>
-            <a:ext cx="12192000" cy="10308201"/>
-          </a:xfrm>
-          <a:prstGeom prst="rect">
-            <a:avLst/>
-          </a:prstGeom>
-          <a:noFill/>
-          <a:extLst>
-            <a:ext uri="{909E8E84-426E-40DD-AFC4-6F175D3DCCD1}">
-              <a14:hiddenFill xmlns:a14="http://schemas.microsoft.com/office/drawing/2010/main">
-                <a:solidFill>
-                  <a:srgbClr val="FFFFFF"/>
-                </a:solidFill>
-              </a14:hiddenFill>
-            </a:ext>
-          </a:extLst>
-        </p:spPr>
-      </p:pic>
-      <p:sp>
-        <p:nvSpPr>
-          <p:cNvPr id="12" name="Line 11"/>
-          <p:cNvSpPr>
-            <a:spLocks noChangeShapeType="1"/>
-          </p:cNvSpPr>
-          <p:nvPr/>
-        </p:nvSpPr>
-        <p:spPr bwMode="auto">
-          <a:xfrm flipV="1">
-            <a:off x="6972300" y="5109836"/>
-            <a:ext cx="609600" cy="533400"/>
-          </a:xfrm>
-          <a:prstGeom prst="line">
-            <a:avLst/>
-          </a:prstGeom>
-          <a:noFill/>
-          <a:ln w="38100">
-            <a:solidFill>
-              <a:srgbClr val="FFFF66"/>
-            </a:solidFill>
-            <a:round/>
-            <a:headEnd/>
-            <a:tailEnd type="triangle" w="med" len="med"/>
-          </a:ln>
-          <a:extLst>
-            <a:ext uri="{909E8E84-426E-40DD-AFC4-6F175D3DCCD1}">
-              <a14:hiddenFill xmlns:a14="http://schemas.microsoft.com/office/drawing/2010/main">
-                <a:noFill/>
-              </a14:hiddenFill>
-            </a:ext>
-          </a:extLst>
-        </p:spPr>
-        <p:txBody>
-          <a:bodyPr wrap="square">
-            <a:spAutoFit/>
-          </a:bodyPr>
-          <a:lstStyle/>
-          <a:p>
-            <a:endParaRPr lang="en-US"/>
-          </a:p>
-        </p:txBody>
-      </p:sp>
-      <p:sp>
-        <p:nvSpPr>
-          <p:cNvPr id="6" name="TextBox 5">
-            <a:extLst>
-              <a:ext uri="{FF2B5EF4-FFF2-40B4-BE49-F238E27FC236}">
-                <a16:creationId xmlns:a16="http://schemas.microsoft.com/office/drawing/2014/main" id="{4F2DA592-D8EB-70BA-2112-6C13A4E7B393}"/>
-              </a:ext>
-            </a:extLst>
-          </p:cNvPr>
-          <p:cNvSpPr txBox="1"/>
-          <p:nvPr/>
-        </p:nvSpPr>
-        <p:spPr>
-          <a:xfrm>
-            <a:off x="495300" y="606817"/>
-            <a:ext cx="11201400" cy="919401"/>
-          </a:xfrm>
-          <a:prstGeom prst="roundRect">
-            <a:avLst/>
-          </a:prstGeom>
-          <a:solidFill>
-            <a:schemeClr val="bg1">
-              <a:alpha val="70000"/>
-            </a:schemeClr>
-          </a:solidFill>
-          <a:ln w="76200">
-            <a:solidFill>
-              <a:srgbClr val="FFC416"/>
-            </a:solidFill>
-          </a:ln>
-        </p:spPr>
-        <p:style>
-          <a:lnRef idx="2">
-            <a:schemeClr val="dk1"/>
-          </a:lnRef>
-          <a:fillRef idx="1">
-            <a:schemeClr val="lt1"/>
-          </a:fillRef>
-          <a:effectRef idx="0">
-            <a:schemeClr val="dk1"/>
-          </a:effectRef>
-          <a:fontRef idx="minor">
-            <a:schemeClr val="dk1"/>
-          </a:fontRef>
-        </p:style>
-        <p:txBody>
-          <a:bodyPr wrap="square" rtlCol="0">
-            <a:spAutoFit/>
-          </a:bodyPr>
-          <a:lstStyle/>
-          <a:p>
-            <a:pPr algn="ctr"/>
-            <a:r>
-              <a:rPr lang="en-US" sz="4800" b="1" dirty="0">
-                <a:solidFill>
-                  <a:srgbClr val="2D3A37"/>
-                </a:solidFill>
-                <a:effectLst/>
-                <a:latin typeface="Adobe Devanagari" panose="02040503050201020203" pitchFamily="18" charset="0"/>
-                <a:cs typeface="Adobe Devanagari" panose="02040503050201020203" pitchFamily="18" charset="0"/>
-              </a:rPr>
-              <a:t>Normal Plots</a:t>
-            </a:r>
-            <a:endParaRPr lang="en-US" sz="4800" dirty="0">
-              <a:solidFill>
-                <a:srgbClr val="2D3A37"/>
-              </a:solidFill>
-            </a:endParaRPr>
-          </a:p>
-        </p:txBody>
-      </p:sp>
-      <p:sp>
-        <p:nvSpPr>
-          <p:cNvPr id="7" name="TextBox 6">
-            <a:extLst>
-              <a:ext uri="{FF2B5EF4-FFF2-40B4-BE49-F238E27FC236}">
-                <a16:creationId xmlns:a16="http://schemas.microsoft.com/office/drawing/2014/main" id="{D9B238EA-D04E-3255-7509-F990F1A8F309}"/>
-              </a:ext>
-            </a:extLst>
-          </p:cNvPr>
-          <p:cNvSpPr txBox="1"/>
-          <p:nvPr/>
-        </p:nvSpPr>
-        <p:spPr>
-          <a:xfrm>
-            <a:off x="495300" y="1974467"/>
-            <a:ext cx="11201400" cy="3439239"/>
-          </a:xfrm>
-          <a:prstGeom prst="roundRect">
-            <a:avLst/>
-          </a:prstGeom>
-          <a:solidFill>
-            <a:schemeClr val="bg1"/>
-          </a:solidFill>
-          <a:ln w="76200">
-            <a:solidFill>
-              <a:srgbClr val="FFC416"/>
-            </a:solidFill>
-          </a:ln>
-        </p:spPr>
-        <p:style>
-          <a:lnRef idx="2">
-            <a:schemeClr val="dk1"/>
-          </a:lnRef>
-          <a:fillRef idx="1">
-            <a:schemeClr val="lt1"/>
-          </a:fillRef>
-          <a:effectRef idx="0">
-            <a:schemeClr val="dk1"/>
-          </a:effectRef>
-          <a:fontRef idx="minor">
-            <a:schemeClr val="dk1"/>
-          </a:fontRef>
-        </p:style>
-        <p:txBody>
-          <a:bodyPr wrap="square" rtlCol="0">
-            <a:spAutoFit/>
-          </a:bodyPr>
-          <a:lstStyle/>
-          <a:p>
-            <a:pPr marL="457200" indent="-457200">
-              <a:buFont typeface="Arial" panose="020B0604020202020204" pitchFamily="34" charset="0"/>
-              <a:buChar char="•"/>
-            </a:pPr>
-            <a:r>
-              <a:rPr lang="en-US" sz="2800" dirty="0">
-                <a:solidFill>
-                  <a:srgbClr val="660066"/>
-                </a:solidFill>
-              </a:rPr>
-              <a:t>Ideal: Pattern is a Perfectly Straight Line (Aligns With Normal Dist.)</a:t>
-            </a:r>
-          </a:p>
-          <a:p>
-            <a:pPr marL="457200" indent="-457200">
-              <a:buFont typeface="Arial" panose="020B0604020202020204" pitchFamily="34" charset="0"/>
-              <a:buChar char="•"/>
-            </a:pPr>
-            <a:endParaRPr lang="en-US" sz="2800" dirty="0">
-              <a:solidFill>
-                <a:srgbClr val="660066"/>
-              </a:solidFill>
-            </a:endParaRPr>
-          </a:p>
-          <a:p>
-            <a:pPr marL="457200" indent="-457200">
-              <a:buFont typeface="Arial" panose="020B0604020202020204" pitchFamily="34" charset="0"/>
-              <a:buChar char="•"/>
-            </a:pPr>
-            <a:r>
-              <a:rPr lang="en-US" sz="2800" dirty="0">
-                <a:solidFill>
-                  <a:srgbClr val="660066"/>
-                </a:solidFill>
-              </a:rPr>
-              <a:t>Types:</a:t>
-            </a:r>
-          </a:p>
-          <a:p>
-            <a:pPr marL="914400" lvl="1" indent="-457200">
-              <a:buFont typeface="Arial" panose="020B0604020202020204" pitchFamily="34" charset="0"/>
-              <a:buChar char="•"/>
-            </a:pPr>
-            <a:r>
-              <a:rPr lang="en-US" sz="2800" dirty="0">
-                <a:solidFill>
-                  <a:srgbClr val="660066"/>
-                </a:solidFill>
-              </a:rPr>
-              <a:t>Normal Quantile Plot (Observed Vs Expected Quantiles)</a:t>
-            </a:r>
-          </a:p>
-          <a:p>
-            <a:pPr marL="914400" lvl="1" indent="-457200">
-              <a:buFont typeface="Arial" panose="020B0604020202020204" pitchFamily="34" charset="0"/>
-              <a:buChar char="•"/>
-            </a:pPr>
-            <a:r>
-              <a:rPr lang="en-US" sz="2800" dirty="0">
-                <a:solidFill>
-                  <a:srgbClr val="660066"/>
-                </a:solidFill>
-              </a:rPr>
-              <a:t>Normal Probability Plot (Observed Vs Cumulative Probability)</a:t>
-            </a:r>
-          </a:p>
-          <a:p>
-            <a:pPr lvl="1"/>
-            <a:endParaRPr lang="en-US" sz="2800" dirty="0">
-              <a:solidFill>
-                <a:srgbClr val="660066"/>
-              </a:solidFill>
-            </a:endParaRPr>
-          </a:p>
-          <a:p>
-            <a:pPr marL="457200" indent="-457200">
-              <a:buFont typeface="Arial" panose="020B0604020202020204" pitchFamily="34" charset="0"/>
-              <a:buChar char="•"/>
-            </a:pPr>
-            <a:r>
-              <a:rPr lang="en-US" sz="2800" dirty="0">
-                <a:solidFill>
-                  <a:srgbClr val="660066"/>
-                </a:solidFill>
-              </a:rPr>
-              <a:t>Observe Plots in Supplement for Lecture 5</a:t>
-            </a:r>
-          </a:p>
-        </p:txBody>
-      </p:sp>
-    </p:spTree>
-    <p:extLst>
-      <p:ext uri="{BB962C8B-B14F-4D97-AF65-F5344CB8AC3E}">
-        <p14:creationId xmlns:p14="http://schemas.microsoft.com/office/powerpoint/2010/main" val="3650149327"/>
-      </p:ext>
-    </p:extLst>
-  </p:cSld>
-  <p:clrMapOvr>
-    <a:masterClrMapping/>
-  </p:clrMapOvr>
-</p:sld>
-</file>
-
-<file path=ppt/slides/slide9.xml><?xml version="1.0" encoding="utf-8"?>
+<file path=ppt/slides/slide7.xml><?xml version="1.0" encoding="utf-8"?>
 <p:sld xmlns:a="http://schemas.openxmlformats.org/drawingml/2006/main" xmlns:r="http://schemas.openxmlformats.org/officeDocument/2006/relationships" xmlns:p="http://schemas.openxmlformats.org/presentationml/2006/main">
   <p:cSld>
     <p:spTree>

--- a/Lectures/6 - Transformations.pptx
+++ b/Lectures/6 - Transformations.pptx
@@ -4513,7 +4513,7 @@
                 <a:ea typeface="+mn-ea"/>
                 <a:cs typeface="+mn-cs"/>
               </a:rPr>
-              <a:t> 3</a:t>
+              <a:t> 4</a:t>
             </a:r>
           </a:p>
           <a:p>
@@ -5528,8 +5528,8 @@
           </a:p>
         </p:txBody>
       </p:sp>
-      <mc:AlternateContent xmlns:mc="http://schemas.openxmlformats.org/markup-compatibility/2006">
-        <mc:Choice xmlns:a14="http://schemas.microsoft.com/office/drawing/2010/main" Requires="a14">
+      <mc:AlternateContent xmlns:mc="http://schemas.openxmlformats.org/markup-compatibility/2006" xmlns:a14="http://schemas.microsoft.com/office/drawing/2010/main">
+        <mc:Choice Requires="a14">
           <p:sp>
             <p:nvSpPr>
               <p:cNvPr id="7" name="TextBox 6">
@@ -6150,43 +6150,7 @@
                         </a:solidFill>
                         <a:latin typeface="Cambria Math" panose="02040503050406030204" pitchFamily="18" charset="0"/>
                       </a:rPr>
-                      <m:t>=</m:t>
-                    </m:r>
-                    <m:r>
-                      <a:rPr lang="en-US" sz="2800" b="0" i="1" smtClean="0">
-                        <a:solidFill>
-                          <a:srgbClr val="660066"/>
-                        </a:solidFill>
-                        <a:latin typeface="Cambria Math" panose="02040503050406030204" pitchFamily="18" charset="0"/>
-                      </a:rPr>
-                      <m:t>2</m:t>
-                    </m:r>
-                    <m:r>
-                      <a:rPr lang="en-US" sz="2800" b="0" i="1" smtClean="0">
-                        <a:solidFill>
-                          <a:srgbClr val="660066"/>
-                        </a:solidFill>
-                        <a:latin typeface="Cambria Math" panose="02040503050406030204" pitchFamily="18" charset="0"/>
-                      </a:rPr>
-                      <m:t>.</m:t>
-                    </m:r>
-                    <m:r>
-                      <a:rPr lang="en-US" sz="2800" b="0" i="1" smtClean="0">
-                        <a:solidFill>
-                          <a:srgbClr val="660066"/>
-                        </a:solidFill>
-                        <a:latin typeface="Cambria Math" panose="02040503050406030204" pitchFamily="18" charset="0"/>
-                      </a:rPr>
-                      <m:t>71828</m:t>
-                    </m:r>
-                    <m:r>
-                      <a:rPr lang="en-US" sz="2800" b="0" i="1" smtClean="0">
-                        <a:solidFill>
-                          <a:srgbClr val="660066"/>
-                        </a:solidFill>
-                        <a:latin typeface="Cambria Math" panose="02040503050406030204" pitchFamily="18" charset="0"/>
-                      </a:rPr>
-                      <m:t> (</m:t>
+                      <m:t>=2.71828 (</m:t>
                     </m:r>
                     <m:r>
                       <a:rPr lang="en-US" sz="2800" b="0" i="1" smtClean="0">
@@ -6217,7 +6181,7 @@
             </p:txBody>
           </p:sp>
         </mc:Choice>
-        <mc:Fallback>
+        <mc:Fallback xmlns="">
           <p:sp>
             <p:nvSpPr>
               <p:cNvPr id="7" name="TextBox 6">
@@ -6856,8 +6820,8 @@
           </a:p>
         </p:txBody>
       </p:sp>
-      <mc:AlternateContent xmlns:mc="http://schemas.openxmlformats.org/markup-compatibility/2006">
-        <mc:Choice xmlns:a14="http://schemas.microsoft.com/office/drawing/2010/main" Requires="a14">
+      <mc:AlternateContent xmlns:mc="http://schemas.openxmlformats.org/markup-compatibility/2006" xmlns:a14="http://schemas.microsoft.com/office/drawing/2010/main">
+        <mc:Choice Requires="a14">
           <p:sp>
             <p:nvSpPr>
               <p:cNvPr id="7" name="TextBox 6">
@@ -7221,7 +7185,7 @@
             </p:txBody>
           </p:sp>
         </mc:Choice>
-        <mc:Fallback>
+        <mc:Fallback xmlns="">
           <p:sp>
             <p:nvSpPr>
               <p:cNvPr id="7" name="TextBox 6">
@@ -7507,8 +7471,8 @@
           </a:p>
         </p:txBody>
       </p:sp>
-      <mc:AlternateContent xmlns:mc="http://schemas.openxmlformats.org/markup-compatibility/2006">
-        <mc:Choice xmlns:a14="http://schemas.microsoft.com/office/drawing/2010/main" Requires="a14">
+      <mc:AlternateContent xmlns:mc="http://schemas.openxmlformats.org/markup-compatibility/2006" xmlns:a14="http://schemas.microsoft.com/office/drawing/2010/main">
+        <mc:Choice Requires="a14">
           <p:sp>
             <p:nvSpPr>
               <p:cNvPr id="7" name="TextBox 6">
@@ -8452,7 +8416,7 @@
             </p:txBody>
           </p:sp>
         </mc:Choice>
-        <mc:Fallback>
+        <mc:Fallback xmlns="">
           <p:sp>
             <p:nvSpPr>
               <p:cNvPr id="7" name="TextBox 6">

--- a/Lectures/6 - Transformations.pptx
+++ b/Lectures/6 - Transformations.pptx
@@ -5528,8 +5528,8 @@
           </a:p>
         </p:txBody>
       </p:sp>
-      <mc:AlternateContent xmlns:mc="http://schemas.openxmlformats.org/markup-compatibility/2006" xmlns:a14="http://schemas.microsoft.com/office/drawing/2010/main">
-        <mc:Choice Requires="a14">
+      <mc:AlternateContent xmlns:mc="http://schemas.openxmlformats.org/markup-compatibility/2006">
+        <mc:Choice xmlns:a14="http://schemas.microsoft.com/office/drawing/2010/main" Requires="a14">
           <p:sp>
             <p:nvSpPr>
               <p:cNvPr id="7" name="TextBox 6">
@@ -5866,12 +5866,20 @@
                   <a:t>Square Root (Special Case when </a:t>
                 </a:r>
                 <a:r>
+                  <a:rPr lang="en-US" sz="2800" i="1">
+                    <a:solidFill>
+                      <a:srgbClr val="660066"/>
+                    </a:solidFill>
+                  </a:rPr>
+                  <a:t>k=1/2</a:t>
+                </a:r>
+                <a:r>
                   <a:rPr lang="en-US" sz="2800" i="1" dirty="0">
                     <a:solidFill>
                       <a:srgbClr val="660066"/>
                     </a:solidFill>
                   </a:rPr>
-                  <a:t>k=2)</a:t>
+                  <a:t>)</a:t>
                 </a:r>
                 <a:endParaRPr lang="en-US" sz="2800" dirty="0">
                   <a:solidFill>
@@ -6181,7 +6189,7 @@
             </p:txBody>
           </p:sp>
         </mc:Choice>
-        <mc:Fallback xmlns="">
+        <mc:Fallback>
           <p:sp>
             <p:nvSpPr>
               <p:cNvPr id="7" name="TextBox 6">
